--- a/2024/NECSA_October_2024/01_Monday_October_7th/02_McStas_sources_and_monitors/Sources_and_Monitors_part_2.pptx
+++ b/2024/NECSA_October_2024/01_Monday_October_7th/02_McStas_sources_and_monitors/Sources_and_Monitors_part_2.pptx
@@ -369,7 +369,7 @@
       </p:grpSpPr>
       <p:sp>
         <p:nvSpPr>
-          <p:cNvPr id="90" name="Shape 90"/>
+          <p:cNvPr id="155" name="Shape 155"/>
           <p:cNvSpPr/>
           <p:nvPr>
             <p:ph type="sldImg"/>
@@ -394,7 +394,7 @@
       </p:sp>
       <p:sp>
         <p:nvSpPr>
-          <p:cNvPr id="91" name="Shape 91"/>
+          <p:cNvPr id="156" name="Shape 156"/>
           <p:cNvSpPr/>
           <p:nvPr>
             <p:ph type="body" sz="quarter" idx="1"/>
@@ -550,7 +550,7 @@
       </p:grpSpPr>
       <p:sp>
         <p:nvSpPr>
-          <p:cNvPr id="11" name="Logo color"/>
+          <p:cNvPr id="16" name="Logo color"/>
           <p:cNvSpPr/>
           <p:nvPr/>
         </p:nvSpPr>
@@ -1033,7 +1033,7 @@
       </p:sp>
       <p:sp>
         <p:nvSpPr>
-          <p:cNvPr id="12" name="Bottom bar"/>
+          <p:cNvPr id="17" name="Bottom bar"/>
           <p:cNvSpPr/>
           <p:nvPr/>
         </p:nvSpPr>
@@ -1071,7 +1071,7 @@
       </p:sp>
       <p:sp>
         <p:nvSpPr>
-          <p:cNvPr id="13" name="UserProfile.Offices.Workarea_{{DocumentLanguage}}text"/>
+          <p:cNvPr id="18" name="UserProfile.Offices.Workarea_{{DocumentLanguage}}text"/>
           <p:cNvSpPr txBox="1"/>
           <p:nvPr/>
         </p:nvSpPr>
@@ -1118,7 +1118,7 @@
       </p:sp>
       <p:sp>
         <p:nvSpPr>
-          <p:cNvPr id="14" name="Top bar"/>
+          <p:cNvPr id="19" name="Top bar"/>
           <p:cNvSpPr/>
           <p:nvPr/>
         </p:nvSpPr>
@@ -1156,7 +1156,7 @@
       </p:sp>
       <p:sp>
         <p:nvSpPr>
-          <p:cNvPr id="15" name="Logo white"/>
+          <p:cNvPr id="20" name="Logo white"/>
           <p:cNvSpPr/>
           <p:nvPr/>
         </p:nvSpPr>
@@ -1639,7 +1639,7 @@
       </p:sp>
       <p:sp>
         <p:nvSpPr>
-          <p:cNvPr id="16" name="Title Text"/>
+          <p:cNvPr id="21" name="Title Text"/>
           <p:cNvSpPr txBox="1"/>
           <p:nvPr>
             <p:ph type="title"/>
@@ -1680,7 +1680,7 @@
       </p:sp>
       <p:sp>
         <p:nvSpPr>
-          <p:cNvPr id="17" name="Body Level One…"/>
+          <p:cNvPr id="22" name="Body Level One…"/>
           <p:cNvSpPr txBox="1"/>
           <p:nvPr>
             <p:ph type="body" sz="half" idx="1"/>
@@ -1802,7 +1802,7 @@
       </p:sp>
       <p:sp>
         <p:nvSpPr>
-          <p:cNvPr id="18" name="Slide Number"/>
+          <p:cNvPr id="23" name="Slide Number"/>
           <p:cNvSpPr txBox="1"/>
           <p:nvPr>
             <p:ph type="sldNum" sz="quarter" idx="2"/>
@@ -1850,7 +1850,7 @@
       </p:grpSpPr>
       <p:sp>
         <p:nvSpPr>
-          <p:cNvPr id="68" name="Background"/>
+          <p:cNvPr id="118" name="Background"/>
           <p:cNvSpPr/>
           <p:nvPr/>
         </p:nvSpPr>
@@ -1879,7 +1879,7 @@
       </p:sp>
       <p:sp>
         <p:nvSpPr>
-          <p:cNvPr id="69" name="Slide Number"/>
+          <p:cNvPr id="119" name="Slide Number"/>
           <p:cNvSpPr txBox="1"/>
           <p:nvPr>
             <p:ph type="sldNum" sz="quarter" idx="2"/>
@@ -1913,7 +1913,7 @@
       </p:sp>
       <p:sp>
         <p:nvSpPr>
-          <p:cNvPr id="70" name="Logo color"/>
+          <p:cNvPr id="120" name="Logo color"/>
           <p:cNvSpPr/>
           <p:nvPr/>
         </p:nvSpPr>
@@ -2422,7 +2422,7 @@
       </p:grpSpPr>
       <p:sp>
         <p:nvSpPr>
-          <p:cNvPr id="72" name="Logo color"/>
+          <p:cNvPr id="127" name="Logo color"/>
           <p:cNvSpPr/>
           <p:nvPr/>
         </p:nvSpPr>
@@ -2905,7 +2905,7 @@
       </p:sp>
       <p:sp>
         <p:nvSpPr>
-          <p:cNvPr id="73" name="Bottom bar"/>
+          <p:cNvPr id="128" name="Bottom bar"/>
           <p:cNvSpPr/>
           <p:nvPr/>
         </p:nvSpPr>
@@ -2943,7 +2943,7 @@
       </p:sp>
       <p:sp>
         <p:nvSpPr>
-          <p:cNvPr id="74" name="UserProfile.Offices.Workarea_{{DocumentLanguage}}text"/>
+          <p:cNvPr id="129" name="UserProfile.Offices.Workarea_{{DocumentLanguage}}text"/>
           <p:cNvSpPr txBox="1"/>
           <p:nvPr/>
         </p:nvSpPr>
@@ -2990,7 +2990,7 @@
       </p:sp>
       <p:sp>
         <p:nvSpPr>
-          <p:cNvPr id="75" name="Form.Datedate"/>
+          <p:cNvPr id="130" name="Form.Datedate"/>
           <p:cNvSpPr txBox="1"/>
           <p:nvPr/>
         </p:nvSpPr>
@@ -3037,7 +3037,7 @@
       </p:sp>
       <p:sp>
         <p:nvSpPr>
-          <p:cNvPr id="76" name="Top bar"/>
+          <p:cNvPr id="131" name="Top bar"/>
           <p:cNvSpPr/>
           <p:nvPr/>
         </p:nvSpPr>
@@ -3075,7 +3075,7 @@
       </p:sp>
       <p:sp>
         <p:nvSpPr>
-          <p:cNvPr id="77" name="Background"/>
+          <p:cNvPr id="132" name="Background"/>
           <p:cNvSpPr/>
           <p:nvPr/>
         </p:nvSpPr>
@@ -3104,7 +3104,7 @@
       </p:sp>
       <p:sp>
         <p:nvSpPr>
-          <p:cNvPr id="78" name="Logo color"/>
+          <p:cNvPr id="133" name="Logo color"/>
           <p:cNvSpPr/>
           <p:nvPr/>
         </p:nvSpPr>
@@ -3587,7 +3587,7 @@
       </p:sp>
       <p:sp>
         <p:nvSpPr>
-          <p:cNvPr id="79" name="Slide Number"/>
+          <p:cNvPr id="134" name="Slide Number"/>
           <p:cNvSpPr txBox="1"/>
           <p:nvPr>
             <p:ph type="sldNum" sz="quarter" idx="2"/>
@@ -3621,7 +3621,7 @@
       </p:sp>
       <p:sp>
         <p:nvSpPr>
-          <p:cNvPr id="80" name="Bottom bar"/>
+          <p:cNvPr id="135" name="Bottom bar"/>
           <p:cNvSpPr/>
           <p:nvPr/>
         </p:nvSpPr>
@@ -3659,7 +3659,7 @@
       </p:sp>
       <p:sp>
         <p:nvSpPr>
-          <p:cNvPr id="81" name="Top bar"/>
+          <p:cNvPr id="136" name="Top bar"/>
           <p:cNvSpPr/>
           <p:nvPr/>
         </p:nvSpPr>
@@ -3697,7 +3697,7 @@
       </p:sp>
       <p:pic>
         <p:nvPicPr>
-          <p:cNvPr id="82" name="Image" descr="Image"/>
+          <p:cNvPr id="137" name="Image" descr="Image"/>
           <p:cNvPicPr>
             <a:picLocks noChangeAspect="1"/>
           </p:cNvPicPr>
@@ -3752,7 +3752,7 @@
       </p:grpSpPr>
       <p:sp>
         <p:nvSpPr>
-          <p:cNvPr id="84" name="CustomShape 10"/>
+          <p:cNvPr id="144" name="CustomShape 10"/>
           <p:cNvSpPr/>
           <p:nvPr/>
         </p:nvSpPr>
@@ -4233,7 +4233,7 @@
       </p:sp>
       <p:sp>
         <p:nvSpPr>
-          <p:cNvPr id="85" name="CustomShape 11"/>
+          <p:cNvPr id="145" name="CustomShape 11"/>
           <p:cNvSpPr/>
           <p:nvPr/>
         </p:nvSpPr>
@@ -4267,7 +4267,7 @@
       </p:sp>
       <p:sp>
         <p:nvSpPr>
-          <p:cNvPr id="86" name="CustomShape 14"/>
+          <p:cNvPr id="146" name="CustomShape 14"/>
           <p:cNvSpPr/>
           <p:nvPr/>
         </p:nvSpPr>
@@ -4301,7 +4301,7 @@
       </p:sp>
       <p:sp>
         <p:nvSpPr>
-          <p:cNvPr id="87" name="UserProfile.Offices.Workarea_{{DocumentLanguage}}text"/>
+          <p:cNvPr id="147" name="UserProfile.Offices.Workarea_{{DocumentLanguage}}text"/>
           <p:cNvSpPr txBox="1"/>
           <p:nvPr/>
         </p:nvSpPr>
@@ -4348,7 +4348,7 @@
       </p:sp>
       <p:pic>
         <p:nvPicPr>
-          <p:cNvPr id="88" name="Image" descr="Image"/>
+          <p:cNvPr id="148" name="Image" descr="Image"/>
           <p:cNvPicPr>
             <a:picLocks noChangeAspect="1"/>
           </p:cNvPicPr>
@@ -4377,7 +4377,7 @@
       </p:pic>
       <p:sp>
         <p:nvSpPr>
-          <p:cNvPr id="89" name="Slide Number"/>
+          <p:cNvPr id="149" name="Slide Number"/>
           <p:cNvSpPr txBox="1"/>
           <p:nvPr>
             <p:ph type="sldNum" sz="quarter" idx="2"/>
@@ -4440,7 +4440,7 @@
       </p:grpSpPr>
       <p:sp>
         <p:nvSpPr>
-          <p:cNvPr id="20" name="Logo color"/>
+          <p:cNvPr id="30" name="Logo color"/>
           <p:cNvSpPr/>
           <p:nvPr/>
         </p:nvSpPr>
@@ -4923,7 +4923,7 @@
       </p:sp>
       <p:sp>
         <p:nvSpPr>
-          <p:cNvPr id="21" name="Bottom bar"/>
+          <p:cNvPr id="31" name="Bottom bar"/>
           <p:cNvSpPr/>
           <p:nvPr/>
         </p:nvSpPr>
@@ -4961,7 +4961,7 @@
       </p:sp>
       <p:sp>
         <p:nvSpPr>
-          <p:cNvPr id="22" name="UserProfile.Offices.Workarea_{{DocumentLanguage}}text"/>
+          <p:cNvPr id="32" name="UserProfile.Offices.Workarea_{{DocumentLanguage}}text"/>
           <p:cNvSpPr txBox="1"/>
           <p:nvPr/>
         </p:nvSpPr>
@@ -5008,7 +5008,7 @@
       </p:sp>
       <p:sp>
         <p:nvSpPr>
-          <p:cNvPr id="23" name="Top bar"/>
+          <p:cNvPr id="33" name="Top bar"/>
           <p:cNvSpPr/>
           <p:nvPr/>
         </p:nvSpPr>
@@ -5046,7 +5046,7 @@
       </p:sp>
       <p:sp>
         <p:nvSpPr>
-          <p:cNvPr id="24" name="Title Text"/>
+          <p:cNvPr id="34" name="Title Text"/>
           <p:cNvSpPr txBox="1"/>
           <p:nvPr>
             <p:ph type="title"/>
@@ -5083,7 +5083,7 @@
       </p:sp>
       <p:sp>
         <p:nvSpPr>
-          <p:cNvPr id="25" name="Body Level One…"/>
+          <p:cNvPr id="35" name="Body Level One…"/>
           <p:cNvSpPr txBox="1"/>
           <p:nvPr>
             <p:ph type="body" sz="half" idx="1"/>
@@ -5185,7 +5185,7 @@
       </p:sp>
       <p:sp>
         <p:nvSpPr>
-          <p:cNvPr id="26" name="Slide Number"/>
+          <p:cNvPr id="36" name="Slide Number"/>
           <p:cNvSpPr txBox="1"/>
           <p:nvPr>
             <p:ph type="sldNum" sz="quarter" idx="2"/>
@@ -5207,7 +5207,7 @@
       </p:sp>
       <p:pic>
         <p:nvPicPr>
-          <p:cNvPr id="27" name="Image" descr="Image"/>
+          <p:cNvPr id="37" name="Image" descr="Image"/>
           <p:cNvPicPr>
             <a:picLocks noChangeAspect="1"/>
           </p:cNvPicPr>
@@ -5262,7 +5262,7 @@
       </p:grpSpPr>
       <p:sp>
         <p:nvSpPr>
-          <p:cNvPr id="29" name="Logo color"/>
+          <p:cNvPr id="44" name="Logo color"/>
           <p:cNvSpPr/>
           <p:nvPr/>
         </p:nvSpPr>
@@ -5745,7 +5745,7 @@
       </p:sp>
       <p:sp>
         <p:nvSpPr>
-          <p:cNvPr id="30" name="Bottom bar"/>
+          <p:cNvPr id="45" name="Bottom bar"/>
           <p:cNvSpPr/>
           <p:nvPr/>
         </p:nvSpPr>
@@ -5783,7 +5783,7 @@
       </p:sp>
       <p:sp>
         <p:nvSpPr>
-          <p:cNvPr id="31" name="UserProfile.Offices.Workarea_{{DocumentLanguage}}text"/>
+          <p:cNvPr id="46" name="UserProfile.Offices.Workarea_{{DocumentLanguage}}text"/>
           <p:cNvSpPr txBox="1"/>
           <p:nvPr/>
         </p:nvSpPr>
@@ -5830,7 +5830,7 @@
       </p:sp>
       <p:sp>
         <p:nvSpPr>
-          <p:cNvPr id="32" name="Top bar"/>
+          <p:cNvPr id="47" name="Top bar"/>
           <p:cNvSpPr/>
           <p:nvPr/>
         </p:nvSpPr>
@@ -5868,7 +5868,7 @@
       </p:sp>
       <p:sp>
         <p:nvSpPr>
-          <p:cNvPr id="33" name="Title Text"/>
+          <p:cNvPr id="48" name="Title Text"/>
           <p:cNvSpPr txBox="1"/>
           <p:nvPr>
             <p:ph type="title"/>
@@ -5898,7 +5898,7 @@
       </p:sp>
       <p:sp>
         <p:nvSpPr>
-          <p:cNvPr id="34" name="Body Level One…"/>
+          <p:cNvPr id="49" name="Body Level One…"/>
           <p:cNvSpPr txBox="1"/>
           <p:nvPr>
             <p:ph type="body" idx="1"/>
@@ -5952,7 +5952,7 @@
       </p:sp>
       <p:sp>
         <p:nvSpPr>
-          <p:cNvPr id="35" name="Slide Number"/>
+          <p:cNvPr id="50" name="Slide Number"/>
           <p:cNvSpPr txBox="1"/>
           <p:nvPr>
             <p:ph type="sldNum" sz="quarter" idx="2"/>
@@ -5974,7 +5974,7 @@
       </p:sp>
       <p:pic>
         <p:nvPicPr>
-          <p:cNvPr id="36" name="Image" descr="Image"/>
+          <p:cNvPr id="51" name="Image" descr="Image"/>
           <p:cNvPicPr>
             <a:picLocks noChangeAspect="1"/>
           </p:cNvPicPr>
@@ -6029,7 +6029,7 @@
       </p:grpSpPr>
       <p:sp>
         <p:nvSpPr>
-          <p:cNvPr id="38" name="Title Text"/>
+          <p:cNvPr id="58" name="Title Text"/>
           <p:cNvSpPr txBox="1"/>
           <p:nvPr>
             <p:ph type="title"/>
@@ -6059,7 +6059,7 @@
       </p:sp>
       <p:sp>
         <p:nvSpPr>
-          <p:cNvPr id="39" name="Body Level One…"/>
+          <p:cNvPr id="59" name="Body Level One…"/>
           <p:cNvSpPr txBox="1"/>
           <p:nvPr>
             <p:ph type="body" sz="half" idx="1"/>
@@ -6113,7 +6113,7 @@
       </p:sp>
       <p:sp>
         <p:nvSpPr>
-          <p:cNvPr id="40" name="Slide Number"/>
+          <p:cNvPr id="60" name="Slide Number"/>
           <p:cNvSpPr txBox="1"/>
           <p:nvPr>
             <p:ph type="sldNum" sz="quarter" idx="2"/>
@@ -6161,7 +6161,7 @@
       </p:grpSpPr>
       <p:sp>
         <p:nvSpPr>
-          <p:cNvPr id="42" name="Title Text"/>
+          <p:cNvPr id="67" name="Title Text"/>
           <p:cNvSpPr txBox="1"/>
           <p:nvPr>
             <p:ph type="title"/>
@@ -6191,7 +6191,7 @@
       </p:sp>
       <p:sp>
         <p:nvSpPr>
-          <p:cNvPr id="43" name="Body Level One…"/>
+          <p:cNvPr id="68" name="Body Level One…"/>
           <p:cNvSpPr txBox="1"/>
           <p:nvPr>
             <p:ph type="body" sz="half" idx="1"/>
@@ -6245,7 +6245,7 @@
       </p:sp>
       <p:sp>
         <p:nvSpPr>
-          <p:cNvPr id="44" name="Picture Placeholder 9"/>
+          <p:cNvPr id="69" name="Picture Placeholder 9"/>
           <p:cNvSpPr/>
           <p:nvPr>
             <p:ph type="pic" sz="quarter" idx="21"/>
@@ -6270,7 +6270,7 @@
       </p:sp>
       <p:sp>
         <p:nvSpPr>
-          <p:cNvPr id="45" name="Picture Placeholder 11"/>
+          <p:cNvPr id="70" name="Picture Placeholder 11"/>
           <p:cNvSpPr/>
           <p:nvPr>
             <p:ph type="pic" sz="quarter" idx="22"/>
@@ -6295,7 +6295,7 @@
       </p:sp>
       <p:sp>
         <p:nvSpPr>
-          <p:cNvPr id="46" name="Slide Number"/>
+          <p:cNvPr id="71" name="Slide Number"/>
           <p:cNvSpPr txBox="1"/>
           <p:nvPr>
             <p:ph type="sldNum" sz="quarter" idx="2"/>
@@ -6343,7 +6343,7 @@
       </p:grpSpPr>
       <p:sp>
         <p:nvSpPr>
-          <p:cNvPr id="48" name="Title Text"/>
+          <p:cNvPr id="78" name="Title Text"/>
           <p:cNvSpPr txBox="1"/>
           <p:nvPr>
             <p:ph type="title"/>
@@ -6373,7 +6373,7 @@
       </p:sp>
       <p:sp>
         <p:nvSpPr>
-          <p:cNvPr id="49" name="Body Level One…"/>
+          <p:cNvPr id="79" name="Body Level One…"/>
           <p:cNvSpPr txBox="1"/>
           <p:nvPr>
             <p:ph type="body" sz="half" idx="1"/>
@@ -6427,7 +6427,7 @@
       </p:sp>
       <p:sp>
         <p:nvSpPr>
-          <p:cNvPr id="50" name="Picture Placeholder 9"/>
+          <p:cNvPr id="80" name="Picture Placeholder 9"/>
           <p:cNvSpPr/>
           <p:nvPr>
             <p:ph type="pic" sz="quarter" idx="21"/>
@@ -6452,7 +6452,7 @@
       </p:sp>
       <p:sp>
         <p:nvSpPr>
-          <p:cNvPr id="51" name="Picture Placeholder 11"/>
+          <p:cNvPr id="81" name="Picture Placeholder 11"/>
           <p:cNvSpPr/>
           <p:nvPr>
             <p:ph type="pic" sz="quarter" idx="22"/>
@@ -6477,7 +6477,7 @@
       </p:sp>
       <p:sp>
         <p:nvSpPr>
-          <p:cNvPr id="52" name="Slide Number"/>
+          <p:cNvPr id="82" name="Slide Number"/>
           <p:cNvSpPr txBox="1"/>
           <p:nvPr>
             <p:ph type="sldNum" sz="quarter" idx="2"/>
@@ -6525,7 +6525,7 @@
       </p:grpSpPr>
       <p:sp>
         <p:nvSpPr>
-          <p:cNvPr id="54" name="Title Text"/>
+          <p:cNvPr id="89" name="Title Text"/>
           <p:cNvSpPr txBox="1"/>
           <p:nvPr>
             <p:ph type="title"/>
@@ -6559,7 +6559,7 @@
       </p:sp>
       <p:sp>
         <p:nvSpPr>
-          <p:cNvPr id="55" name="Body Level One…"/>
+          <p:cNvPr id="90" name="Body Level One…"/>
           <p:cNvSpPr txBox="1"/>
           <p:nvPr>
             <p:ph type="body" sz="quarter" idx="1"/>
@@ -6644,7 +6644,7 @@
       </p:sp>
       <p:sp>
         <p:nvSpPr>
-          <p:cNvPr id="56" name="Text Placeholder 18"/>
+          <p:cNvPr id="91" name="Text Placeholder 18"/>
           <p:cNvSpPr/>
           <p:nvPr>
             <p:ph type="body" sz="quarter" idx="21"/>
@@ -6678,7 +6678,7 @@
       </p:sp>
       <p:sp>
         <p:nvSpPr>
-          <p:cNvPr id="57" name="Text Placeholder 22"/>
+          <p:cNvPr id="92" name="Text Placeholder 22"/>
           <p:cNvSpPr/>
           <p:nvPr>
             <p:ph type="body" sz="quarter" idx="22"/>
@@ -6712,7 +6712,7 @@
       </p:sp>
       <p:sp>
         <p:nvSpPr>
-          <p:cNvPr id="58" name="Picture Placeholder 8"/>
+          <p:cNvPr id="93" name="Picture Placeholder 8"/>
           <p:cNvSpPr/>
           <p:nvPr>
             <p:ph type="pic" sz="quarter" idx="23"/>
@@ -6737,7 +6737,7 @@
       </p:sp>
       <p:sp>
         <p:nvSpPr>
-          <p:cNvPr id="59" name="Picture Placeholder 8"/>
+          <p:cNvPr id="94" name="Picture Placeholder 8"/>
           <p:cNvSpPr/>
           <p:nvPr>
             <p:ph type="pic" sz="quarter" idx="24"/>
@@ -6762,7 +6762,7 @@
       </p:sp>
       <p:sp>
         <p:nvSpPr>
-          <p:cNvPr id="60" name="Picture Placeholder 8"/>
+          <p:cNvPr id="95" name="Picture Placeholder 8"/>
           <p:cNvSpPr/>
           <p:nvPr>
             <p:ph type="pic" sz="quarter" idx="25"/>
@@ -6787,7 +6787,7 @@
       </p:sp>
       <p:sp>
         <p:nvSpPr>
-          <p:cNvPr id="61" name="Slide Number"/>
+          <p:cNvPr id="96" name="Slide Number"/>
           <p:cNvSpPr txBox="1"/>
           <p:nvPr>
             <p:ph type="sldNum" sz="quarter" idx="2"/>
@@ -6835,7 +6835,7 @@
       </p:grpSpPr>
       <p:sp>
         <p:nvSpPr>
-          <p:cNvPr id="63" name="Title Text"/>
+          <p:cNvPr id="103" name="Title Text"/>
           <p:cNvSpPr txBox="1"/>
           <p:nvPr>
             <p:ph type="title"/>
@@ -6865,7 +6865,7 @@
       </p:sp>
       <p:sp>
         <p:nvSpPr>
-          <p:cNvPr id="64" name="Slide Number"/>
+          <p:cNvPr id="104" name="Slide Number"/>
           <p:cNvSpPr txBox="1"/>
           <p:nvPr>
             <p:ph type="sldNum" sz="quarter" idx="2"/>
@@ -6913,7 +6913,7 @@
       </p:grpSpPr>
       <p:sp>
         <p:nvSpPr>
-          <p:cNvPr id="66" name="Slide Number"/>
+          <p:cNvPr id="111" name="Slide Number"/>
           <p:cNvSpPr txBox="1"/>
           <p:nvPr>
             <p:ph type="sldNum" sz="quarter" idx="2"/>
@@ -8489,7 +8489,7 @@
       </p:grpSpPr>
       <p:sp>
         <p:nvSpPr>
-          <p:cNvPr id="93" name="Title 3"/>
+          <p:cNvPr id="158" name="Title 3"/>
           <p:cNvSpPr txBox="1"/>
           <p:nvPr/>
         </p:nvSpPr>
@@ -8534,7 +8534,7 @@
       </p:sp>
       <p:sp>
         <p:nvSpPr>
-          <p:cNvPr id="94" name="Subtitle 4"/>
+          <p:cNvPr id="159" name="Subtitle 4"/>
           <p:cNvSpPr txBox="1"/>
           <p:nvPr/>
         </p:nvSpPr>
@@ -8577,7 +8577,7 @@
       </p:sp>
       <p:sp>
         <p:nvSpPr>
-          <p:cNvPr id="95" name="Slide Number Placeholder 2"/>
+          <p:cNvPr id="160" name="Slide Number Placeholder 2"/>
           <p:cNvSpPr txBox="1"/>
           <p:nvPr>
             <p:ph type="sldNum" sz="quarter" idx="2"/>
@@ -8634,7 +8634,7 @@
       </p:grpSpPr>
       <p:sp>
         <p:nvSpPr>
-          <p:cNvPr id="158" name="Title 4"/>
+          <p:cNvPr id="223" name="Title 4"/>
           <p:cNvSpPr txBox="1"/>
           <p:nvPr/>
         </p:nvSpPr>
@@ -8674,7 +8674,7 @@
       </p:sp>
       <p:sp>
         <p:nvSpPr>
-          <p:cNvPr id="159" name="Slide Number Placeholder 3"/>
+          <p:cNvPr id="224" name="Slide Number Placeholder 3"/>
           <p:cNvSpPr txBox="1"/>
           <p:nvPr>
             <p:ph type="sldNum" sz="quarter" idx="2"/>
@@ -8705,7 +8705,7 @@
       </p:sp>
       <p:sp>
         <p:nvSpPr>
-          <p:cNvPr id="160" name="CustomShape 3"/>
+          <p:cNvPr id="225" name="CustomShape 3"/>
           <p:cNvSpPr txBox="1"/>
           <p:nvPr/>
         </p:nvSpPr>
@@ -8749,7 +8749,7 @@
       </p:sp>
       <p:sp>
         <p:nvSpPr>
-          <p:cNvPr id="161" name="Line 6"/>
+          <p:cNvPr id="226" name="Line 6"/>
           <p:cNvSpPr/>
           <p:nvPr/>
         </p:nvSpPr>
@@ -8778,7 +8778,7 @@
       </p:sp>
       <p:sp>
         <p:nvSpPr>
-          <p:cNvPr id="162" name="Line 7"/>
+          <p:cNvPr id="227" name="Line 7"/>
           <p:cNvSpPr/>
           <p:nvPr/>
         </p:nvSpPr>
@@ -8807,7 +8807,7 @@
       </p:sp>
       <p:sp>
         <p:nvSpPr>
-          <p:cNvPr id="163" name="Line 8"/>
+          <p:cNvPr id="228" name="Line 8"/>
           <p:cNvSpPr/>
           <p:nvPr/>
         </p:nvSpPr>
@@ -8836,7 +8836,7 @@
       </p:sp>
       <p:sp>
         <p:nvSpPr>
-          <p:cNvPr id="164" name="Line 9"/>
+          <p:cNvPr id="229" name="Line 9"/>
           <p:cNvSpPr/>
           <p:nvPr/>
         </p:nvSpPr>
@@ -8865,7 +8865,7 @@
       </p:sp>
       <p:sp>
         <p:nvSpPr>
-          <p:cNvPr id="165" name="CustomShape 10"/>
+          <p:cNvPr id="230" name="CustomShape 10"/>
           <p:cNvSpPr/>
           <p:nvPr/>
         </p:nvSpPr>
@@ -8894,7 +8894,7 @@
       </p:sp>
       <p:sp>
         <p:nvSpPr>
-          <p:cNvPr id="166" name="TextShape 11"/>
+          <p:cNvPr id="231" name="TextShape 11"/>
           <p:cNvSpPr txBox="1"/>
           <p:nvPr/>
         </p:nvSpPr>
@@ -8938,7 +8938,7 @@
       </p:sp>
       <p:grpSp>
         <p:nvGrpSpPr>
-          <p:cNvPr id="170" name="Group 12"/>
+          <p:cNvPr id="235" name="Group 12"/>
           <p:cNvGrpSpPr/>
           <p:nvPr/>
         </p:nvGrpSpPr>
@@ -8952,7 +8952,7 @@
         </p:grpSpPr>
         <p:sp>
           <p:nvSpPr>
-            <p:cNvPr id="167" name="Line 13"/>
+            <p:cNvPr id="232" name="Line 13"/>
             <p:cNvSpPr/>
             <p:nvPr/>
           </p:nvSpPr>
@@ -8987,7 +8987,7 @@
         </p:sp>
         <p:sp>
           <p:nvSpPr>
-            <p:cNvPr id="168" name="CustomShape 14"/>
+            <p:cNvPr id="233" name="CustomShape 14"/>
             <p:cNvSpPr/>
             <p:nvPr/>
           </p:nvSpPr>
@@ -9020,7 +9020,7 @@
         </p:sp>
         <p:sp>
           <p:nvSpPr>
-            <p:cNvPr id="169" name="TextShape 15"/>
+            <p:cNvPr id="234" name="TextShape 15"/>
             <p:cNvSpPr txBox="1"/>
             <p:nvPr/>
           </p:nvSpPr>
@@ -9068,7 +9068,7 @@
       </p:grpSp>
       <p:grpSp>
         <p:nvGrpSpPr>
-          <p:cNvPr id="174" name="Group 16"/>
+          <p:cNvPr id="239" name="Group 16"/>
           <p:cNvGrpSpPr/>
           <p:nvPr/>
         </p:nvGrpSpPr>
@@ -9082,7 +9082,7 @@
         </p:grpSpPr>
         <p:sp>
           <p:nvSpPr>
-            <p:cNvPr id="171" name="Line 17"/>
+            <p:cNvPr id="236" name="Line 17"/>
             <p:cNvSpPr/>
             <p:nvPr/>
           </p:nvSpPr>
@@ -9117,7 +9117,7 @@
         </p:sp>
         <p:sp>
           <p:nvSpPr>
-            <p:cNvPr id="172" name="CustomShape 18"/>
+            <p:cNvPr id="237" name="CustomShape 18"/>
             <p:cNvSpPr/>
             <p:nvPr/>
           </p:nvSpPr>
@@ -9150,7 +9150,7 @@
         </p:sp>
         <p:sp>
           <p:nvSpPr>
-            <p:cNvPr id="173" name="TextShape 19"/>
+            <p:cNvPr id="238" name="TextShape 19"/>
             <p:cNvSpPr txBox="1"/>
             <p:nvPr/>
           </p:nvSpPr>
@@ -9198,7 +9198,7 @@
       </p:grpSp>
       <p:sp>
         <p:nvSpPr>
-          <p:cNvPr id="175" name="Line 20"/>
+          <p:cNvPr id="240" name="Line 20"/>
           <p:cNvSpPr/>
           <p:nvPr/>
         </p:nvSpPr>
@@ -9227,7 +9227,7 @@
       </p:sp>
       <p:sp>
         <p:nvSpPr>
-          <p:cNvPr id="176" name="Line 21"/>
+          <p:cNvPr id="241" name="Line 21"/>
           <p:cNvSpPr/>
           <p:nvPr/>
         </p:nvSpPr>
@@ -9256,7 +9256,7 @@
       </p:sp>
       <p:sp>
         <p:nvSpPr>
-          <p:cNvPr id="177" name="Line 22"/>
+          <p:cNvPr id="242" name="Line 22"/>
           <p:cNvSpPr/>
           <p:nvPr/>
         </p:nvSpPr>
@@ -9285,7 +9285,7 @@
       </p:sp>
       <p:sp>
         <p:nvSpPr>
-          <p:cNvPr id="178" name="TextShape 23"/>
+          <p:cNvPr id="243" name="TextShape 23"/>
           <p:cNvSpPr txBox="1"/>
           <p:nvPr/>
         </p:nvSpPr>
@@ -9348,7 +9348,7 @@
       </p:sp>
       <p:sp>
         <p:nvSpPr>
-          <p:cNvPr id="179" name="TextShape 24"/>
+          <p:cNvPr id="244" name="TextShape 24"/>
           <p:cNvSpPr txBox="1"/>
           <p:nvPr/>
         </p:nvSpPr>
@@ -9411,7 +9411,7 @@
       </p:sp>
       <p:sp>
         <p:nvSpPr>
-          <p:cNvPr id="180" name="TextShape 25"/>
+          <p:cNvPr id="245" name="TextShape 25"/>
           <p:cNvSpPr txBox="1"/>
           <p:nvPr/>
         </p:nvSpPr>
@@ -9474,7 +9474,7 @@
       </p:sp>
       <p:sp>
         <p:nvSpPr>
-          <p:cNvPr id="181" name="TextShape 27"/>
+          <p:cNvPr id="246" name="TextShape 27"/>
           <p:cNvSpPr txBox="1"/>
           <p:nvPr/>
         </p:nvSpPr>
@@ -9541,7 +9541,7 @@
       </p:sp>
       <p:sp>
         <p:nvSpPr>
-          <p:cNvPr id="182" name="TextShape 28"/>
+          <p:cNvPr id="247" name="TextShape 28"/>
           <p:cNvSpPr txBox="1"/>
           <p:nvPr/>
         </p:nvSpPr>
@@ -9619,7 +9619,7 @@
       </p:grpSpPr>
       <p:sp>
         <p:nvSpPr>
-          <p:cNvPr id="184" name="Slide Number Placeholder 3"/>
+          <p:cNvPr id="249" name="Slide Number Placeholder 3"/>
           <p:cNvSpPr txBox="1"/>
           <p:nvPr>
             <p:ph type="sldNum" sz="quarter" idx="2"/>
@@ -9650,7 +9650,7 @@
       </p:sp>
       <p:sp>
         <p:nvSpPr>
-          <p:cNvPr id="185" name="CustomShape 5"/>
+          <p:cNvPr id="250" name="CustomShape 5"/>
           <p:cNvSpPr txBox="1"/>
           <p:nvPr/>
         </p:nvSpPr>
@@ -9694,7 +9694,7 @@
       </p:sp>
       <p:sp>
         <p:nvSpPr>
-          <p:cNvPr id="186" name="Line 26"/>
+          <p:cNvPr id="251" name="Line 26"/>
           <p:cNvSpPr/>
           <p:nvPr/>
         </p:nvSpPr>
@@ -9722,7 +9722,7 @@
       </p:sp>
       <p:sp>
         <p:nvSpPr>
-          <p:cNvPr id="187" name="Line 27"/>
+          <p:cNvPr id="252" name="Line 27"/>
           <p:cNvSpPr/>
           <p:nvPr/>
         </p:nvSpPr>
@@ -9751,7 +9751,7 @@
       </p:sp>
       <p:sp>
         <p:nvSpPr>
-          <p:cNvPr id="188" name="Line 28"/>
+          <p:cNvPr id="253" name="Line 28"/>
           <p:cNvSpPr/>
           <p:nvPr/>
         </p:nvSpPr>
@@ -9780,7 +9780,7 @@
       </p:sp>
       <p:sp>
         <p:nvSpPr>
-          <p:cNvPr id="189" name="Line 29"/>
+          <p:cNvPr id="254" name="Line 29"/>
           <p:cNvSpPr/>
           <p:nvPr/>
         </p:nvSpPr>
@@ -9809,7 +9809,7 @@
       </p:sp>
       <p:sp>
         <p:nvSpPr>
-          <p:cNvPr id="190" name="Line 30"/>
+          <p:cNvPr id="255" name="Line 30"/>
           <p:cNvSpPr/>
           <p:nvPr/>
         </p:nvSpPr>
@@ -9838,7 +9838,7 @@
       </p:sp>
       <p:sp>
         <p:nvSpPr>
-          <p:cNvPr id="191" name="CustomShape 31"/>
+          <p:cNvPr id="256" name="CustomShape 31"/>
           <p:cNvSpPr/>
           <p:nvPr/>
         </p:nvSpPr>
@@ -9867,7 +9867,7 @@
       </p:sp>
       <p:sp>
         <p:nvSpPr>
-          <p:cNvPr id="192" name="TextShape 32"/>
+          <p:cNvPr id="257" name="TextShape 32"/>
           <p:cNvSpPr txBox="1"/>
           <p:nvPr/>
         </p:nvSpPr>
@@ -9911,7 +9911,7 @@
       </p:sp>
       <p:grpSp>
         <p:nvGrpSpPr>
-          <p:cNvPr id="196" name="Group 33"/>
+          <p:cNvPr id="261" name="Group 33"/>
           <p:cNvGrpSpPr/>
           <p:nvPr/>
         </p:nvGrpSpPr>
@@ -9925,7 +9925,7 @@
         </p:grpSpPr>
         <p:sp>
           <p:nvSpPr>
-            <p:cNvPr id="193" name="Line 34"/>
+            <p:cNvPr id="258" name="Line 34"/>
             <p:cNvSpPr/>
             <p:nvPr/>
           </p:nvSpPr>
@@ -9960,7 +9960,7 @@
         </p:sp>
         <p:sp>
           <p:nvSpPr>
-            <p:cNvPr id="194" name="CustomShape 35"/>
+            <p:cNvPr id="259" name="CustomShape 35"/>
             <p:cNvSpPr/>
             <p:nvPr/>
           </p:nvSpPr>
@@ -9993,7 +9993,7 @@
         </p:sp>
         <p:sp>
           <p:nvSpPr>
-            <p:cNvPr id="195" name="TextShape 36"/>
+            <p:cNvPr id="260" name="TextShape 36"/>
             <p:cNvSpPr txBox="1"/>
             <p:nvPr/>
           </p:nvSpPr>
@@ -10041,7 +10041,7 @@
       </p:grpSp>
       <p:grpSp>
         <p:nvGrpSpPr>
-          <p:cNvPr id="200" name="Group 37"/>
+          <p:cNvPr id="265" name="Group 37"/>
           <p:cNvGrpSpPr/>
           <p:nvPr/>
         </p:nvGrpSpPr>
@@ -10055,7 +10055,7 @@
         </p:grpSpPr>
         <p:sp>
           <p:nvSpPr>
-            <p:cNvPr id="197" name="Line 38"/>
+            <p:cNvPr id="262" name="Line 38"/>
             <p:cNvSpPr/>
             <p:nvPr/>
           </p:nvSpPr>
@@ -10090,7 +10090,7 @@
         </p:sp>
         <p:sp>
           <p:nvSpPr>
-            <p:cNvPr id="198" name="CustomShape 39"/>
+            <p:cNvPr id="263" name="CustomShape 39"/>
             <p:cNvSpPr/>
             <p:nvPr/>
           </p:nvSpPr>
@@ -10123,7 +10123,7 @@
         </p:sp>
         <p:sp>
           <p:nvSpPr>
-            <p:cNvPr id="199" name="TextShape 40"/>
+            <p:cNvPr id="264" name="TextShape 40"/>
             <p:cNvSpPr txBox="1"/>
             <p:nvPr/>
           </p:nvSpPr>
@@ -10171,7 +10171,7 @@
       </p:grpSp>
       <p:sp>
         <p:nvSpPr>
-          <p:cNvPr id="201" name="Line 41"/>
+          <p:cNvPr id="266" name="Line 41"/>
           <p:cNvSpPr/>
           <p:nvPr/>
         </p:nvSpPr>
@@ -10200,7 +10200,7 @@
       </p:sp>
       <p:sp>
         <p:nvSpPr>
-          <p:cNvPr id="202" name="Line 42"/>
+          <p:cNvPr id="267" name="Line 42"/>
           <p:cNvSpPr/>
           <p:nvPr/>
         </p:nvSpPr>
@@ -10229,7 +10229,7 @@
       </p:sp>
       <p:sp>
         <p:nvSpPr>
-          <p:cNvPr id="203" name="Line 43"/>
+          <p:cNvPr id="268" name="Line 43"/>
           <p:cNvSpPr/>
           <p:nvPr/>
         </p:nvSpPr>
@@ -10258,7 +10258,7 @@
       </p:sp>
       <p:sp>
         <p:nvSpPr>
-          <p:cNvPr id="204" name="TextShape 44"/>
+          <p:cNvPr id="269" name="TextShape 44"/>
           <p:cNvSpPr txBox="1"/>
           <p:nvPr/>
         </p:nvSpPr>
@@ -10321,7 +10321,7 @@
       </p:sp>
       <p:sp>
         <p:nvSpPr>
-          <p:cNvPr id="205" name="TextShape 45"/>
+          <p:cNvPr id="270" name="TextShape 45"/>
           <p:cNvSpPr txBox="1"/>
           <p:nvPr/>
         </p:nvSpPr>
@@ -10384,7 +10384,7 @@
       </p:sp>
       <p:sp>
         <p:nvSpPr>
-          <p:cNvPr id="206" name="TextShape 46"/>
+          <p:cNvPr id="271" name="TextShape 46"/>
           <p:cNvSpPr txBox="1"/>
           <p:nvPr/>
         </p:nvSpPr>
@@ -10447,7 +10447,7 @@
       </p:sp>
       <p:sp>
         <p:nvSpPr>
-          <p:cNvPr id="207" name="Line 47"/>
+          <p:cNvPr id="272" name="Line 47"/>
           <p:cNvSpPr/>
           <p:nvPr/>
         </p:nvSpPr>
@@ -10476,7 +10476,7 @@
       </p:sp>
       <p:sp>
         <p:nvSpPr>
-          <p:cNvPr id="208" name="Line 48"/>
+          <p:cNvPr id="273" name="Line 48"/>
           <p:cNvSpPr/>
           <p:nvPr/>
         </p:nvSpPr>
@@ -10505,7 +10505,7 @@
       </p:sp>
       <p:sp>
         <p:nvSpPr>
-          <p:cNvPr id="209" name="Line 49"/>
+          <p:cNvPr id="274" name="Line 49"/>
           <p:cNvSpPr/>
           <p:nvPr/>
         </p:nvSpPr>
@@ -10534,7 +10534,7 @@
       </p:sp>
       <p:sp>
         <p:nvSpPr>
-          <p:cNvPr id="210" name="TextShape 50"/>
+          <p:cNvPr id="275" name="TextShape 50"/>
           <p:cNvSpPr txBox="1"/>
           <p:nvPr/>
         </p:nvSpPr>
@@ -10601,7 +10601,7 @@
       </p:sp>
       <p:sp>
         <p:nvSpPr>
-          <p:cNvPr id="211" name="TextShape 52"/>
+          <p:cNvPr id="276" name="TextShape 52"/>
           <p:cNvSpPr txBox="1"/>
           <p:nvPr/>
         </p:nvSpPr>
@@ -10668,7 +10668,7 @@
       </p:sp>
       <p:sp>
         <p:nvSpPr>
-          <p:cNvPr id="212" name="TextShape 54"/>
+          <p:cNvPr id="277" name="TextShape 54"/>
           <p:cNvSpPr txBox="1"/>
           <p:nvPr/>
         </p:nvSpPr>
@@ -10713,7 +10713,7 @@
       </p:sp>
       <p:sp>
         <p:nvSpPr>
-          <p:cNvPr id="213" name="CustomShape 55"/>
+          <p:cNvPr id="278" name="CustomShape 55"/>
           <p:cNvSpPr/>
           <p:nvPr/>
         </p:nvSpPr>
@@ -10789,7 +10789,7 @@
       </p:sp>
       <p:sp>
         <p:nvSpPr>
-          <p:cNvPr id="214" name="CustomShape 3"/>
+          <p:cNvPr id="279" name="CustomShape 3"/>
           <p:cNvSpPr txBox="1"/>
           <p:nvPr/>
         </p:nvSpPr>
@@ -10833,7 +10833,7 @@
       </p:sp>
       <p:sp>
         <p:nvSpPr>
-          <p:cNvPr id="215" name="Line 6"/>
+          <p:cNvPr id="280" name="Line 6"/>
           <p:cNvSpPr/>
           <p:nvPr/>
         </p:nvSpPr>
@@ -10862,7 +10862,7 @@
       </p:sp>
       <p:sp>
         <p:nvSpPr>
-          <p:cNvPr id="216" name="Line 7"/>
+          <p:cNvPr id="281" name="Line 7"/>
           <p:cNvSpPr/>
           <p:nvPr/>
         </p:nvSpPr>
@@ -10891,7 +10891,7 @@
       </p:sp>
       <p:sp>
         <p:nvSpPr>
-          <p:cNvPr id="217" name="Line 8"/>
+          <p:cNvPr id="282" name="Line 8"/>
           <p:cNvSpPr/>
           <p:nvPr/>
         </p:nvSpPr>
@@ -10920,7 +10920,7 @@
       </p:sp>
       <p:sp>
         <p:nvSpPr>
-          <p:cNvPr id="218" name="Line 9"/>
+          <p:cNvPr id="283" name="Line 9"/>
           <p:cNvSpPr/>
           <p:nvPr/>
         </p:nvSpPr>
@@ -10949,7 +10949,7 @@
       </p:sp>
       <p:sp>
         <p:nvSpPr>
-          <p:cNvPr id="219" name="CustomShape 10"/>
+          <p:cNvPr id="284" name="CustomShape 10"/>
           <p:cNvSpPr/>
           <p:nvPr/>
         </p:nvSpPr>
@@ -10978,7 +10978,7 @@
       </p:sp>
       <p:sp>
         <p:nvSpPr>
-          <p:cNvPr id="220" name="TextShape 11"/>
+          <p:cNvPr id="285" name="TextShape 11"/>
           <p:cNvSpPr txBox="1"/>
           <p:nvPr/>
         </p:nvSpPr>
@@ -11022,7 +11022,7 @@
       </p:sp>
       <p:grpSp>
         <p:nvGrpSpPr>
-          <p:cNvPr id="224" name="Group 12"/>
+          <p:cNvPr id="289" name="Group 12"/>
           <p:cNvGrpSpPr/>
           <p:nvPr/>
         </p:nvGrpSpPr>
@@ -11036,7 +11036,7 @@
         </p:grpSpPr>
         <p:sp>
           <p:nvSpPr>
-            <p:cNvPr id="221" name="Line 13"/>
+            <p:cNvPr id="286" name="Line 13"/>
             <p:cNvSpPr/>
             <p:nvPr/>
           </p:nvSpPr>
@@ -11071,7 +11071,7 @@
         </p:sp>
         <p:sp>
           <p:nvSpPr>
-            <p:cNvPr id="222" name="CustomShape 14"/>
+            <p:cNvPr id="287" name="CustomShape 14"/>
             <p:cNvSpPr/>
             <p:nvPr/>
           </p:nvSpPr>
@@ -11104,7 +11104,7 @@
         </p:sp>
         <p:sp>
           <p:nvSpPr>
-            <p:cNvPr id="223" name="TextShape 15"/>
+            <p:cNvPr id="288" name="TextShape 15"/>
             <p:cNvSpPr txBox="1"/>
             <p:nvPr/>
           </p:nvSpPr>
@@ -11152,7 +11152,7 @@
       </p:grpSp>
       <p:grpSp>
         <p:nvGrpSpPr>
-          <p:cNvPr id="228" name="Group 16"/>
+          <p:cNvPr id="293" name="Group 16"/>
           <p:cNvGrpSpPr/>
           <p:nvPr/>
         </p:nvGrpSpPr>
@@ -11166,7 +11166,7 @@
         </p:grpSpPr>
         <p:sp>
           <p:nvSpPr>
-            <p:cNvPr id="225" name="Line 17"/>
+            <p:cNvPr id="290" name="Line 17"/>
             <p:cNvSpPr/>
             <p:nvPr/>
           </p:nvSpPr>
@@ -11201,7 +11201,7 @@
         </p:sp>
         <p:sp>
           <p:nvSpPr>
-            <p:cNvPr id="226" name="CustomShape 18"/>
+            <p:cNvPr id="291" name="CustomShape 18"/>
             <p:cNvSpPr/>
             <p:nvPr/>
           </p:nvSpPr>
@@ -11234,7 +11234,7 @@
         </p:sp>
         <p:sp>
           <p:nvSpPr>
-            <p:cNvPr id="227" name="TextShape 19"/>
+            <p:cNvPr id="292" name="TextShape 19"/>
             <p:cNvSpPr txBox="1"/>
             <p:nvPr/>
           </p:nvSpPr>
@@ -11282,7 +11282,7 @@
       </p:grpSp>
       <p:sp>
         <p:nvSpPr>
-          <p:cNvPr id="229" name="Line 20"/>
+          <p:cNvPr id="294" name="Line 20"/>
           <p:cNvSpPr/>
           <p:nvPr/>
         </p:nvSpPr>
@@ -11311,7 +11311,7 @@
       </p:sp>
       <p:sp>
         <p:nvSpPr>
-          <p:cNvPr id="230" name="Line 21"/>
+          <p:cNvPr id="295" name="Line 21"/>
           <p:cNvSpPr/>
           <p:nvPr/>
         </p:nvSpPr>
@@ -11340,7 +11340,7 @@
       </p:sp>
       <p:sp>
         <p:nvSpPr>
-          <p:cNvPr id="231" name="Line 22"/>
+          <p:cNvPr id="296" name="Line 22"/>
           <p:cNvSpPr/>
           <p:nvPr/>
         </p:nvSpPr>
@@ -11369,7 +11369,7 @@
       </p:sp>
       <p:sp>
         <p:nvSpPr>
-          <p:cNvPr id="232" name="TextShape 23"/>
+          <p:cNvPr id="297" name="TextShape 23"/>
           <p:cNvSpPr txBox="1"/>
           <p:nvPr/>
         </p:nvSpPr>
@@ -11432,7 +11432,7 @@
       </p:sp>
       <p:sp>
         <p:nvSpPr>
-          <p:cNvPr id="233" name="TextShape 24"/>
+          <p:cNvPr id="298" name="TextShape 24"/>
           <p:cNvSpPr txBox="1"/>
           <p:nvPr/>
         </p:nvSpPr>
@@ -11495,7 +11495,7 @@
       </p:sp>
       <p:sp>
         <p:nvSpPr>
-          <p:cNvPr id="234" name="TextShape 25"/>
+          <p:cNvPr id="299" name="TextShape 25"/>
           <p:cNvSpPr txBox="1"/>
           <p:nvPr/>
         </p:nvSpPr>
@@ -11558,7 +11558,7 @@
       </p:sp>
       <p:sp>
         <p:nvSpPr>
-          <p:cNvPr id="235" name="TextShape 27"/>
+          <p:cNvPr id="300" name="TextShape 27"/>
           <p:cNvSpPr txBox="1"/>
           <p:nvPr/>
         </p:nvSpPr>
@@ -11625,7 +11625,7 @@
       </p:sp>
       <p:sp>
         <p:nvSpPr>
-          <p:cNvPr id="236" name="TextShape 28"/>
+          <p:cNvPr id="301" name="TextShape 28"/>
           <p:cNvSpPr txBox="1"/>
           <p:nvPr/>
         </p:nvSpPr>
@@ -11677,7 +11677,7 @@
       </p:sp>
       <p:sp>
         <p:nvSpPr>
-          <p:cNvPr id="237" name="Title 4"/>
+          <p:cNvPr id="302" name="Title 4"/>
           <p:cNvSpPr txBox="1"/>
           <p:nvPr/>
         </p:nvSpPr>
@@ -11743,7 +11743,7 @@
       </p:grpSpPr>
       <p:sp>
         <p:nvSpPr>
-          <p:cNvPr id="239" name="Title 4"/>
+          <p:cNvPr id="304" name="Title 4"/>
           <p:cNvSpPr txBox="1"/>
           <p:nvPr/>
         </p:nvSpPr>
@@ -11783,7 +11783,7 @@
       </p:sp>
       <p:sp>
         <p:nvSpPr>
-          <p:cNvPr id="240" name="Slide Number Placeholder 3"/>
+          <p:cNvPr id="305" name="Slide Number Placeholder 3"/>
           <p:cNvSpPr txBox="1"/>
           <p:nvPr>
             <p:ph type="sldNum" sz="quarter" idx="2"/>
@@ -11814,7 +11814,7 @@
       </p:sp>
       <p:sp>
         <p:nvSpPr>
-          <p:cNvPr id="241" name="Simplest case:…"/>
+          <p:cNvPr id="306" name="Simplest case:…"/>
           <p:cNvSpPr txBox="1"/>
           <p:nvPr/>
         </p:nvSpPr>
@@ -11922,21 +11922,21 @@
       </p:sp>
       <p:grpSp>
         <p:nvGrpSpPr>
-          <p:cNvPr id="244" name="Group"/>
+          <p:cNvPr id="309" name="Group"/>
           <p:cNvGrpSpPr/>
           <p:nvPr/>
         </p:nvGrpSpPr>
         <p:grpSpPr>
           <a:xfrm>
             <a:off x="2643479" y="4532040"/>
-            <a:ext cx="6140521" cy="1659960"/>
+            <a:ext cx="6140521" cy="1714033"/>
             <a:chOff x="0" y="0"/>
-            <a:chExt cx="6140520" cy="1659958"/>
+            <a:chExt cx="6140520" cy="1714032"/>
           </a:xfrm>
         </p:grpSpPr>
         <p:sp>
           <p:nvSpPr>
-            <p:cNvPr id="242" name="Rectangle"/>
+            <p:cNvPr id="307" name="Rectangle"/>
             <p:cNvSpPr/>
             <p:nvPr/>
           </p:nvSpPr>
@@ -11971,52 +11971,18 @@
         </p:sp>
         <p:sp>
           <p:nvSpPr>
-            <p:cNvPr id="243" name="COMPONENT src = Source_simple(…"/>
-            <p:cNvSpPr/>
+            <p:cNvPr id="308" name="COMPONENT src = Source_simple(…"/>
+            <p:cNvSpPr txBox="1"/>
             <p:nvPr/>
           </p:nvSpPr>
           <p:spPr>
             <a:xfrm>
               <a:off x="44999" y="0"/>
-              <a:ext cx="6050522" cy="1"/>
+              <a:ext cx="6050522" cy="1714033"/>
             </a:xfrm>
-            <a:custGeom>
+            <a:prstGeom prst="rect">
               <a:avLst/>
-              <a:gdLst/>
-              <a:ahLst/>
-              <a:cxnLst>
-                <a:cxn ang="0">
-                  <a:pos x="wd2" y="hd2"/>
-                </a:cxn>
-                <a:cxn ang="5400000">
-                  <a:pos x="wd2" y="hd2"/>
-                </a:cxn>
-                <a:cxn ang="10800000">
-                  <a:pos x="wd2" y="hd2"/>
-                </a:cxn>
-                <a:cxn ang="16200000">
-                  <a:pos x="wd2" y="hd2"/>
-                </a:cxn>
-              </a:cxnLst>
-              <a:rect l="0" t="0" r="r" b="b"/>
-              <a:pathLst>
-                <a:path w="21600" h="0" fill="norm" stroke="1" extrusionOk="0">
-                  <a:moveTo>
-                    <a:pt x="0" y="0"/>
-                  </a:moveTo>
-                  <a:lnTo>
-                    <a:pt x="21600" y="0"/>
-                  </a:lnTo>
-                  <a:lnTo>
-                    <a:pt x="21600" y="0"/>
-                  </a:lnTo>
-                  <a:lnTo>
-                    <a:pt x="0" y="0"/>
-                  </a:lnTo>
-                  <a:close/>
-                </a:path>
-              </a:pathLst>
-            </a:custGeom>
+            </a:prstGeom>
             <a:noFill/>
             <a:ln w="12700" cap="flat">
               <a:noFill/>
@@ -12180,7 +12146,7 @@
       </p:grpSpPr>
       <p:sp>
         <p:nvSpPr>
-          <p:cNvPr id="246" name="Rectangle"/>
+          <p:cNvPr id="311" name="Rectangle"/>
           <p:cNvSpPr/>
           <p:nvPr/>
         </p:nvSpPr>
@@ -12209,7 +12175,7 @@
       </p:sp>
       <p:sp>
         <p:nvSpPr>
-          <p:cNvPr id="247" name="Slide Number Placeholder 3"/>
+          <p:cNvPr id="312" name="Slide Number Placeholder 3"/>
           <p:cNvSpPr txBox="1"/>
           <p:nvPr>
             <p:ph type="sldNum" sz="quarter" idx="2"/>
@@ -12240,21 +12206,21 @@
       </p:sp>
       <p:grpSp>
         <p:nvGrpSpPr>
-          <p:cNvPr id="250" name="Group"/>
+          <p:cNvPr id="315" name="Group"/>
           <p:cNvGrpSpPr/>
           <p:nvPr/>
         </p:nvGrpSpPr>
         <p:grpSpPr>
           <a:xfrm>
             <a:off x="2921061" y="4243104"/>
-            <a:ext cx="6140521" cy="2423161"/>
+            <a:ext cx="6140521" cy="3116113"/>
             <a:chOff x="0" y="0"/>
-            <a:chExt cx="6140520" cy="2423160"/>
+            <a:chExt cx="6140520" cy="3116112"/>
           </a:xfrm>
         </p:grpSpPr>
         <p:sp>
           <p:nvSpPr>
-            <p:cNvPr id="248" name="Rectangle"/>
+            <p:cNvPr id="313" name="Rectangle"/>
             <p:cNvSpPr/>
             <p:nvPr/>
           </p:nvSpPr>
@@ -12289,52 +12255,18 @@
         </p:sp>
         <p:sp>
           <p:nvSpPr>
-            <p:cNvPr id="249" name="COMPONENT src = Source_simple(…"/>
-            <p:cNvSpPr/>
+            <p:cNvPr id="314" name="COMPONENT src = Source_simple(…"/>
+            <p:cNvSpPr txBox="1"/>
             <p:nvPr/>
           </p:nvSpPr>
           <p:spPr>
             <a:xfrm>
               <a:off x="44999" y="0"/>
-              <a:ext cx="6050522" cy="0"/>
+              <a:ext cx="6050522" cy="3116113"/>
             </a:xfrm>
-            <a:custGeom>
+            <a:prstGeom prst="rect">
               <a:avLst/>
-              <a:gdLst/>
-              <a:ahLst/>
-              <a:cxnLst>
-                <a:cxn ang="0">
-                  <a:pos x="wd2" y="hd2"/>
-                </a:cxn>
-                <a:cxn ang="5400000">
-                  <a:pos x="wd2" y="hd2"/>
-                </a:cxn>
-                <a:cxn ang="10800000">
-                  <a:pos x="wd2" y="hd2"/>
-                </a:cxn>
-                <a:cxn ang="16200000">
-                  <a:pos x="wd2" y="hd2"/>
-                </a:cxn>
-              </a:cxnLst>
-              <a:rect l="0" t="0" r="r" b="b"/>
-              <a:pathLst>
-                <a:path w="21600" h="0" fill="norm" stroke="1" extrusionOk="0">
-                  <a:moveTo>
-                    <a:pt x="0" y="0"/>
-                  </a:moveTo>
-                  <a:lnTo>
-                    <a:pt x="21600" y="0"/>
-                  </a:lnTo>
-                  <a:lnTo>
-                    <a:pt x="21600" y="0"/>
-                  </a:lnTo>
-                  <a:lnTo>
-                    <a:pt x="0" y="0"/>
-                  </a:lnTo>
-                  <a:close/>
-                </a:path>
-              </a:pathLst>
-            </a:custGeom>
+            </a:prstGeom>
             <a:noFill/>
             <a:ln w="12700" cap="flat">
               <a:noFill/>
@@ -12538,7 +12470,7 @@
       </p:grpSp>
       <p:sp>
         <p:nvSpPr>
-          <p:cNvPr id="251" name="Title 4"/>
+          <p:cNvPr id="316" name="Title 4"/>
           <p:cNvSpPr txBox="1"/>
           <p:nvPr/>
         </p:nvSpPr>
@@ -12578,7 +12510,7 @@
       </p:sp>
       <p:sp>
         <p:nvSpPr>
-          <p:cNvPr id="252" name="Simplest case:…"/>
+          <p:cNvPr id="317" name="Simplest case:…"/>
           <p:cNvSpPr txBox="1"/>
           <p:nvPr/>
         </p:nvSpPr>
@@ -12712,7 +12644,7 @@
       </p:grpSpPr>
       <p:sp>
         <p:nvSpPr>
-          <p:cNvPr id="254" name="Rectangle"/>
+          <p:cNvPr id="319" name="Rectangle"/>
           <p:cNvSpPr/>
           <p:nvPr/>
         </p:nvSpPr>
@@ -12741,7 +12673,7 @@
       </p:sp>
       <p:sp>
         <p:nvSpPr>
-          <p:cNvPr id="255" name="Slide Number Placeholder 3"/>
+          <p:cNvPr id="320" name="Slide Number Placeholder 3"/>
           <p:cNvSpPr txBox="1"/>
           <p:nvPr>
             <p:ph type="sldNum" sz="quarter" idx="2"/>
@@ -12772,21 +12704,21 @@
       </p:sp>
       <p:grpSp>
         <p:nvGrpSpPr>
-          <p:cNvPr id="258" name="Group"/>
+          <p:cNvPr id="323" name="Group"/>
           <p:cNvGrpSpPr/>
           <p:nvPr/>
         </p:nvGrpSpPr>
         <p:grpSpPr>
           <a:xfrm>
             <a:off x="2921061" y="4243104"/>
-            <a:ext cx="6140521" cy="2423161"/>
+            <a:ext cx="6140521" cy="3116113"/>
             <a:chOff x="0" y="0"/>
-            <a:chExt cx="6140520" cy="2423160"/>
+            <a:chExt cx="6140520" cy="3116112"/>
           </a:xfrm>
         </p:grpSpPr>
         <p:sp>
           <p:nvSpPr>
-            <p:cNvPr id="256" name="Rectangle"/>
+            <p:cNvPr id="321" name="Rectangle"/>
             <p:cNvSpPr/>
             <p:nvPr/>
           </p:nvSpPr>
@@ -12821,52 +12753,18 @@
         </p:sp>
         <p:sp>
           <p:nvSpPr>
-            <p:cNvPr id="257" name="COMPONENT src = Source_simple(…"/>
-            <p:cNvSpPr/>
+            <p:cNvPr id="322" name="COMPONENT src = Source_simple(…"/>
+            <p:cNvSpPr txBox="1"/>
             <p:nvPr/>
           </p:nvSpPr>
           <p:spPr>
             <a:xfrm>
               <a:off x="44999" y="0"/>
-              <a:ext cx="6050522" cy="0"/>
+              <a:ext cx="6050522" cy="3116113"/>
             </a:xfrm>
-            <a:custGeom>
+            <a:prstGeom prst="rect">
               <a:avLst/>
-              <a:gdLst/>
-              <a:ahLst/>
-              <a:cxnLst>
-                <a:cxn ang="0">
-                  <a:pos x="wd2" y="hd2"/>
-                </a:cxn>
-                <a:cxn ang="5400000">
-                  <a:pos x="wd2" y="hd2"/>
-                </a:cxn>
-                <a:cxn ang="10800000">
-                  <a:pos x="wd2" y="hd2"/>
-                </a:cxn>
-                <a:cxn ang="16200000">
-                  <a:pos x="wd2" y="hd2"/>
-                </a:cxn>
-              </a:cxnLst>
-              <a:rect l="0" t="0" r="r" b="b"/>
-              <a:pathLst>
-                <a:path w="21600" h="0" fill="norm" stroke="1" extrusionOk="0">
-                  <a:moveTo>
-                    <a:pt x="0" y="0"/>
-                  </a:moveTo>
-                  <a:lnTo>
-                    <a:pt x="21600" y="0"/>
-                  </a:lnTo>
-                  <a:lnTo>
-                    <a:pt x="21600" y="0"/>
-                  </a:lnTo>
-                  <a:lnTo>
-                    <a:pt x="0" y="0"/>
-                  </a:lnTo>
-                  <a:close/>
-                </a:path>
-              </a:pathLst>
-            </a:custGeom>
+            </a:prstGeom>
             <a:noFill/>
             <a:ln w="12700" cap="flat">
               <a:noFill/>
@@ -13070,7 +12968,7 @@
       </p:grpSp>
       <p:sp>
         <p:nvSpPr>
-          <p:cNvPr id="259" name="Title 4"/>
+          <p:cNvPr id="324" name="Title 4"/>
           <p:cNvSpPr txBox="1"/>
           <p:nvPr/>
         </p:nvSpPr>
@@ -13110,7 +13008,7 @@
       </p:sp>
       <p:sp>
         <p:nvSpPr>
-          <p:cNvPr id="260" name="Simplest case:…"/>
+          <p:cNvPr id="325" name="Simplest case:…"/>
           <p:cNvSpPr txBox="1"/>
           <p:nvPr/>
         </p:nvSpPr>
@@ -13218,7 +13116,7 @@
       </p:sp>
       <p:grpSp>
         <p:nvGrpSpPr>
-          <p:cNvPr id="263" name="Group"/>
+          <p:cNvPr id="328" name="Group"/>
           <p:cNvGrpSpPr/>
           <p:nvPr/>
         </p:nvGrpSpPr>
@@ -13232,7 +13130,7 @@
         </p:grpSpPr>
         <p:sp>
           <p:nvSpPr>
-            <p:cNvPr id="261" name="Rectangle"/>
+            <p:cNvPr id="326" name="Rectangle"/>
             <p:cNvSpPr/>
             <p:nvPr/>
           </p:nvSpPr>
@@ -13270,7 +13168,7 @@
         </p:sp>
         <p:sp>
           <p:nvSpPr>
-            <p:cNvPr id="262" name="Or: Use a chopper…"/>
+            <p:cNvPr id="327" name="Or: Use a chopper…"/>
             <p:cNvSpPr txBox="1"/>
             <p:nvPr/>
           </p:nvSpPr>
@@ -13351,7 +13249,7 @@
       </p:grpSpPr>
       <p:sp>
         <p:nvSpPr>
-          <p:cNvPr id="265" name="Title 4"/>
+          <p:cNvPr id="330" name="Title 4"/>
           <p:cNvSpPr txBox="1"/>
           <p:nvPr/>
         </p:nvSpPr>
@@ -13391,7 +13289,7 @@
       </p:sp>
       <p:sp>
         <p:nvSpPr>
-          <p:cNvPr id="266" name="Slide Number Placeholder 3"/>
+          <p:cNvPr id="331" name="Slide Number Placeholder 3"/>
           <p:cNvSpPr txBox="1"/>
           <p:nvPr>
             <p:ph type="sldNum" sz="quarter" idx="2"/>
@@ -13422,7 +13320,7 @@
       </p:sp>
       <p:sp>
         <p:nvSpPr>
-          <p:cNvPr id="267" name="A flat pulsed source with uniform energy spectrum:"/>
+          <p:cNvPr id="332" name="A flat pulsed source with uniform energy spectrum:"/>
           <p:cNvSpPr txBox="1"/>
           <p:nvPr/>
         </p:nvSpPr>
@@ -13462,7 +13360,7 @@
       </p:sp>
       <p:sp>
         <p:nvSpPr>
-          <p:cNvPr id="268" name="Text"/>
+          <p:cNvPr id="333" name="Text"/>
           <p:cNvSpPr txBox="1"/>
           <p:nvPr/>
         </p:nvSpPr>
@@ -13988,7 +13886,7 @@
       </p:sp>
       <p:sp>
         <p:nvSpPr>
-          <p:cNvPr id="269" name="Text"/>
+          <p:cNvPr id="334" name="Text"/>
           <p:cNvSpPr txBox="1"/>
           <p:nvPr/>
         </p:nvSpPr>
@@ -14256,7 +14154,7 @@
       </p:sp>
       <p:sp>
         <p:nvSpPr>
-          <p:cNvPr id="270" name="Time structure is given by energy dependent probability density function:"/>
+          <p:cNvPr id="335" name="Time structure is given by energy dependent probability density function:"/>
           <p:cNvSpPr txBox="1"/>
           <p:nvPr/>
         </p:nvSpPr>
@@ -14296,7 +14194,7 @@
       </p:sp>
       <p:sp>
         <p:nvSpPr>
-          <p:cNvPr id="271" name="Text"/>
+          <p:cNvPr id="336" name="Text"/>
           <p:cNvSpPr txBox="1"/>
           <p:nvPr/>
         </p:nvSpPr>
@@ -14500,7 +14398,7 @@
       </p:sp>
       <p:sp>
         <p:nvSpPr>
-          <p:cNvPr id="272" name="Text"/>
+          <p:cNvPr id="337" name="Text"/>
           <p:cNvSpPr txBox="1"/>
           <p:nvPr/>
         </p:nvSpPr>
@@ -14921,7 +14819,7 @@
       </p:sp>
       <p:pic>
         <p:nvPicPr>
-          <p:cNvPr id="273" name="image136.png" descr="image136.png"/>
+          <p:cNvPr id="338" name="image136.png" descr="image136.png"/>
           <p:cNvPicPr>
             <a:picLocks noChangeAspect="1"/>
           </p:cNvPicPr>
@@ -14976,7 +14874,7 @@
       </p:grpSpPr>
       <p:sp>
         <p:nvSpPr>
-          <p:cNvPr id="275" name="Title 4"/>
+          <p:cNvPr id="340" name="Title 4"/>
           <p:cNvSpPr txBox="1"/>
           <p:nvPr/>
         </p:nvSpPr>
@@ -15016,7 +14914,7 @@
       </p:sp>
       <p:sp>
         <p:nvSpPr>
-          <p:cNvPr id="276" name="Slide Number Placeholder 3"/>
+          <p:cNvPr id="341" name="Slide Number Placeholder 3"/>
           <p:cNvSpPr txBox="1"/>
           <p:nvPr>
             <p:ph type="sldNum" sz="quarter" idx="2"/>
@@ -15047,7 +14945,7 @@
       </p:sp>
       <p:sp>
         <p:nvSpPr>
-          <p:cNvPr id="277" name="Samples directly from tallies coming from e.g. MCNP target+moderator calculations.…"/>
+          <p:cNvPr id="342" name="Samples directly from tallies coming from e.g. MCNP target+moderator calculations.…"/>
           <p:cNvSpPr txBox="1"/>
           <p:nvPr/>
         </p:nvSpPr>
@@ -15136,7 +15034,7 @@
       </p:grpSpPr>
       <p:sp>
         <p:nvSpPr>
-          <p:cNvPr id="279" name="Title 4"/>
+          <p:cNvPr id="344" name="Title 4"/>
           <p:cNvSpPr txBox="1"/>
           <p:nvPr/>
         </p:nvSpPr>
@@ -15176,7 +15074,7 @@
       </p:sp>
       <p:sp>
         <p:nvSpPr>
-          <p:cNvPr id="280" name="Slide Number Placeholder 3"/>
+          <p:cNvPr id="345" name="Slide Number Placeholder 3"/>
           <p:cNvSpPr txBox="1"/>
           <p:nvPr>
             <p:ph type="sldNum" sz="quarter" idx="2"/>
@@ -15207,7 +15105,7 @@
       </p:sp>
       <p:sp>
         <p:nvSpPr>
-          <p:cNvPr id="281" name="Samples directly from tallies coming from e.g. MCNP target+moderator calculations.…"/>
+          <p:cNvPr id="346" name="Samples directly from tallies coming from e.g. MCNP target+moderator calculations.…"/>
           <p:cNvSpPr txBox="1"/>
           <p:nvPr/>
         </p:nvSpPr>
@@ -15270,7 +15168,7 @@
       </p:sp>
       <p:pic>
         <p:nvPicPr>
-          <p:cNvPr id="282" name="image143.png" descr="image143.png"/>
+          <p:cNvPr id="347" name="image143.png" descr="image143.png"/>
           <p:cNvPicPr>
             <a:picLocks noChangeAspect="1"/>
           </p:cNvPicPr>
@@ -15299,7 +15197,7 @@
       </p:pic>
       <p:sp>
         <p:nvSpPr>
-          <p:cNvPr id="283" name="ISIS T2: IMAT"/>
+          <p:cNvPr id="348" name="ISIS T2: IMAT"/>
           <p:cNvSpPr txBox="1"/>
           <p:nvPr/>
         </p:nvSpPr>
@@ -15369,7 +15267,7 @@
       </p:grpSpPr>
       <p:sp>
         <p:nvSpPr>
-          <p:cNvPr id="285" name="Title 4"/>
+          <p:cNvPr id="350" name="Title 4"/>
           <p:cNvSpPr txBox="1"/>
           <p:nvPr/>
         </p:nvSpPr>
@@ -15409,7 +15307,7 @@
       </p:sp>
       <p:sp>
         <p:nvSpPr>
-          <p:cNvPr id="286" name="Slide Number Placeholder 3"/>
+          <p:cNvPr id="351" name="Slide Number Placeholder 3"/>
           <p:cNvSpPr txBox="1"/>
           <p:nvPr>
             <p:ph type="sldNum" sz="quarter" idx="2"/>
@@ -15440,7 +15338,7 @@
       </p:sp>
       <p:sp>
         <p:nvSpPr>
-          <p:cNvPr id="287" name="Samples directly from tallies coming from e.g. MCNP target+moderator calculations.…"/>
+          <p:cNvPr id="352" name="Samples directly from tallies coming from e.g. MCNP target+moderator calculations.…"/>
           <p:cNvSpPr txBox="1"/>
           <p:nvPr/>
         </p:nvSpPr>
@@ -15550,7 +15448,7 @@
       </p:grpSpPr>
       <p:sp>
         <p:nvSpPr>
-          <p:cNvPr id="289" name="Title 4"/>
+          <p:cNvPr id="354" name="Title 4"/>
           <p:cNvSpPr txBox="1"/>
           <p:nvPr/>
         </p:nvSpPr>
@@ -15590,7 +15488,7 @@
       </p:sp>
       <p:sp>
         <p:nvSpPr>
-          <p:cNvPr id="290" name="Slide Number Placeholder 3"/>
+          <p:cNvPr id="355" name="Slide Number Placeholder 3"/>
           <p:cNvSpPr txBox="1"/>
           <p:nvPr>
             <p:ph type="sldNum" sz="quarter" idx="2"/>
@@ -15621,7 +15519,7 @@
       </p:sp>
       <p:sp>
         <p:nvSpPr>
-          <p:cNvPr id="291" name="Samples directly from tallies coming from e.g. MCNP target+moderator calculations.…"/>
+          <p:cNvPr id="356" name="Samples directly from tallies coming from e.g. MCNP target+moderator calculations.…"/>
           <p:cNvSpPr txBox="1"/>
           <p:nvPr/>
         </p:nvSpPr>
@@ -15696,7 +15594,7 @@
       </p:sp>
       <p:pic>
         <p:nvPicPr>
-          <p:cNvPr id="292" name="image152.png" descr="image152.png"/>
+          <p:cNvPr id="357" name="image152.png" descr="image152.png"/>
           <p:cNvPicPr>
             <a:picLocks noChangeAspect="1"/>
           </p:cNvPicPr>
@@ -15751,7 +15649,7 @@
       </p:grpSpPr>
       <p:sp>
         <p:nvSpPr>
-          <p:cNvPr id="97" name="Title 4"/>
+          <p:cNvPr id="162" name="Title 4"/>
           <p:cNvSpPr txBox="1"/>
           <p:nvPr/>
         </p:nvSpPr>
@@ -15791,7 +15689,7 @@
       </p:sp>
       <p:sp>
         <p:nvSpPr>
-          <p:cNvPr id="98" name="Slide Number Placeholder 3"/>
+          <p:cNvPr id="163" name="Slide Number Placeholder 3"/>
           <p:cNvSpPr txBox="1"/>
           <p:nvPr>
             <p:ph type="sldNum" sz="quarter" idx="2"/>
@@ -15822,7 +15720,7 @@
       </p:sp>
       <p:sp>
         <p:nvSpPr>
-          <p:cNvPr id="99" name="CustomShape 6"/>
+          <p:cNvPr id="164" name="CustomShape 6"/>
           <p:cNvSpPr txBox="1"/>
           <p:nvPr/>
         </p:nvSpPr>
@@ -15962,7 +15860,7 @@
       </p:sp>
       <p:sp>
         <p:nvSpPr>
-          <p:cNvPr id="100" name="TextShape 2"/>
+          <p:cNvPr id="165" name="TextShape 2"/>
           <p:cNvSpPr txBox="1"/>
           <p:nvPr/>
         </p:nvSpPr>
@@ -16257,7 +16155,7 @@
       </p:sp>
       <p:sp>
         <p:nvSpPr>
-          <p:cNvPr id="101" name="CustomShape 6"/>
+          <p:cNvPr id="166" name="CustomShape 6"/>
           <p:cNvSpPr txBox="1"/>
           <p:nvPr/>
         </p:nvSpPr>
@@ -16421,7 +16319,7 @@
       </p:grpSpPr>
       <p:sp>
         <p:nvSpPr>
-          <p:cNvPr id="294" name="Title 4"/>
+          <p:cNvPr id="359" name="Title 4"/>
           <p:cNvSpPr txBox="1"/>
           <p:nvPr/>
         </p:nvSpPr>
@@ -16461,7 +16359,7 @@
       </p:sp>
       <p:sp>
         <p:nvSpPr>
-          <p:cNvPr id="295" name="Slide Number Placeholder 3"/>
+          <p:cNvPr id="360" name="Slide Number Placeholder 3"/>
           <p:cNvSpPr txBox="1"/>
           <p:nvPr>
             <p:ph type="sldNum" sz="quarter" idx="2"/>
@@ -16492,7 +16390,7 @@
       </p:sp>
       <p:sp>
         <p:nvSpPr>
-          <p:cNvPr id="296" name="Samples from fits of Padé-functions to tallies from SNS_source.…"/>
+          <p:cNvPr id="361" name="Samples from fits of Padé-functions to tallies from SNS_source.…"/>
           <p:cNvSpPr txBox="1"/>
           <p:nvPr/>
         </p:nvSpPr>
@@ -16609,14 +16507,14 @@
       </p:grpSpPr>
       <p:sp>
         <p:nvSpPr>
-          <p:cNvPr id="298" name="Title 4"/>
+          <p:cNvPr id="363" name="Title 4"/>
           <p:cNvSpPr txBox="1"/>
           <p:nvPr/>
         </p:nvSpPr>
         <p:spPr>
           <a:xfrm>
-            <a:off x="1774800" y="1398599"/>
-            <a:ext cx="9312120" cy="419337"/>
+            <a:off x="1845712" y="879456"/>
+            <a:ext cx="9312121" cy="419337"/>
           </a:xfrm>
           <a:prstGeom prst="rect">
             <a:avLst/>
@@ -16649,7 +16547,7 @@
       </p:sp>
       <p:sp>
         <p:nvSpPr>
-          <p:cNvPr id="299" name="Slide Number Placeholder 3"/>
+          <p:cNvPr id="364" name="Slide Number Placeholder 3"/>
           <p:cNvSpPr txBox="1"/>
           <p:nvPr>
             <p:ph type="sldNum" sz="quarter" idx="2"/>
@@ -16680,7 +16578,7 @@
       </p:sp>
       <p:sp>
         <p:nvSpPr>
-          <p:cNvPr id="300" name="1D…"/>
+          <p:cNvPr id="365" name="1D…"/>
           <p:cNvSpPr txBox="1"/>
           <p:nvPr/>
         </p:nvSpPr>
@@ -16819,7 +16717,7 @@
       </p:sp>
       <p:sp>
         <p:nvSpPr>
-          <p:cNvPr id="301" name="2D…"/>
+          <p:cNvPr id="366" name="2D…"/>
           <p:cNvSpPr txBox="1"/>
           <p:nvPr/>
         </p:nvSpPr>
@@ -16958,7 +16856,7 @@
       </p:sp>
       <p:sp>
         <p:nvSpPr>
-          <p:cNvPr id="302" name="nD…"/>
+          <p:cNvPr id="367" name="nD…"/>
           <p:cNvSpPr txBox="1"/>
           <p:nvPr/>
         </p:nvSpPr>
@@ -17020,7 +16918,7 @@
       </p:sp>
       <p:sp>
         <p:nvSpPr>
-          <p:cNvPr id="303" name="Text"/>
+          <p:cNvPr id="368" name="Text"/>
           <p:cNvSpPr txBox="1"/>
           <p:nvPr/>
         </p:nvSpPr>
@@ -17055,7 +16953,7 @@
                 </m:oMathParaPr>
                 <m:oMath>
                   <m:r>
-                    <a:rPr xmlns:a="http://schemas.openxmlformats.org/drawingml/2006/main" sz="1950" i="1">
+                    <a:rPr xmlns:a="http://schemas.openxmlformats.org/drawingml/2006/main" sz="1900" i="1">
                       <a:solidFill>
                         <a:srgbClr val="000000"/>
                       </a:solidFill>
@@ -17066,7 +16964,7 @@
                   <m:d>
                     <m:dPr>
                       <m:ctrlPr>
-                        <a:rPr xmlns:a="http://schemas.openxmlformats.org/drawingml/2006/main" sz="1950" i="1">
+                        <a:rPr xmlns:a="http://schemas.openxmlformats.org/drawingml/2006/main" sz="1900" i="1">
                           <a:solidFill>
                             <a:srgbClr val="000000"/>
                           </a:solidFill>
@@ -17076,7 +16974,7 @@
                     </m:dPr>
                     <m:e>
                       <m:r>
-                        <a:rPr xmlns:a="http://schemas.openxmlformats.org/drawingml/2006/main" sz="1950" i="1">
+                        <a:rPr xmlns:a="http://schemas.openxmlformats.org/drawingml/2006/main" sz="1900" i="1">
                           <a:solidFill>
                             <a:srgbClr val="000000"/>
                           </a:solidFill>
@@ -17094,7 +16992,7 @@
       </p:sp>
       <p:sp>
         <p:nvSpPr>
-          <p:cNvPr id="304" name="Text"/>
+          <p:cNvPr id="369" name="Text"/>
           <p:cNvSpPr txBox="1"/>
           <p:nvPr/>
         </p:nvSpPr>
@@ -17168,7 +17066,7 @@
       </p:sp>
       <p:sp>
         <p:nvSpPr>
-          <p:cNvPr id="305" name="Text"/>
+          <p:cNvPr id="370" name="Text"/>
           <p:cNvSpPr txBox="1"/>
           <p:nvPr/>
         </p:nvSpPr>
@@ -17203,7 +17101,7 @@
                 </m:oMathParaPr>
                 <m:oMath>
                   <m:r>
-                    <a:rPr xmlns:a="http://schemas.openxmlformats.org/drawingml/2006/main" sz="1550" i="1">
+                    <a:rPr xmlns:a="http://schemas.openxmlformats.org/drawingml/2006/main" sz="1650" i="1">
                       <a:solidFill>
                         <a:srgbClr val="000000"/>
                       </a:solidFill>
@@ -17214,7 +17112,7 @@
                   <m:d>
                     <m:dPr>
                       <m:ctrlPr>
-                        <a:rPr xmlns:a="http://schemas.openxmlformats.org/drawingml/2006/main" sz="1550" i="1">
+                        <a:rPr xmlns:a="http://schemas.openxmlformats.org/drawingml/2006/main" sz="1650" i="1">
                           <a:solidFill>
                             <a:srgbClr val="000000"/>
                           </a:solidFill>
@@ -17229,7 +17127,7 @@
                             <m:rPr>
                               <m:nor/>
                             </m:rPr>
-                            <a:rPr xmlns:a="http://schemas.openxmlformats.org/drawingml/2006/main" sz="1550" i="1">
+                            <a:rPr xmlns:a="http://schemas.openxmlformats.org/drawingml/2006/main" sz="1650" i="1">
                               <a:solidFill>
                                 <a:srgbClr val="000000"/>
                               </a:solidFill>
@@ -17240,7 +17138,7 @@
                         </m:e>
                         <m:sub>
                           <m:r>
-                            <a:rPr xmlns:a="http://schemas.openxmlformats.org/drawingml/2006/main" sz="1550" i="1">
+                            <a:rPr xmlns:a="http://schemas.openxmlformats.org/drawingml/2006/main" sz="1650" i="1">
                               <a:solidFill>
                                 <a:srgbClr val="000000"/>
                               </a:solidFill>
@@ -17260,7 +17158,7 @@
       </p:sp>
       <p:sp>
         <p:nvSpPr>
-          <p:cNvPr id="306" name="Text"/>
+          <p:cNvPr id="371" name="Text"/>
           <p:cNvSpPr txBox="1"/>
           <p:nvPr/>
         </p:nvSpPr>
@@ -17297,7 +17195,7 @@
                   <m:d>
                     <m:dPr>
                       <m:ctrlPr>
-                        <a:rPr xmlns:a="http://schemas.openxmlformats.org/drawingml/2006/main" sz="1600" i="1">
+                        <a:rPr xmlns:a="http://schemas.openxmlformats.org/drawingml/2006/main" sz="1550" i="1">
                           <a:solidFill>
                             <a:srgbClr val="000000"/>
                           </a:solidFill>
@@ -17311,7 +17209,7 @@
                       <m:limUpp>
                         <m:e>
                           <m:r>
-                            <a:rPr xmlns:a="http://schemas.openxmlformats.org/drawingml/2006/main" sz="1600" i="1">
+                            <a:rPr xmlns:a="http://schemas.openxmlformats.org/drawingml/2006/main" sz="1550" i="1">
                               <a:solidFill>
                                 <a:srgbClr val="000000"/>
                               </a:solidFill>
@@ -17325,7 +17223,7 @@
                             <m:rPr>
                               <m:sty m:val="p"/>
                             </m:rPr>
-                            <a:rPr xmlns:a="http://schemas.openxmlformats.org/drawingml/2006/main" sz="1600" i="1">
+                            <a:rPr xmlns:a="http://schemas.openxmlformats.org/drawingml/2006/main" sz="1550" i="1">
                               <a:solidFill>
                                 <a:srgbClr val="000000"/>
                               </a:solidFill>
@@ -17340,7 +17238,7 @@
                   <m:d>
                     <m:dPr>
                       <m:ctrlPr>
-                        <a:rPr xmlns:a="http://schemas.openxmlformats.org/drawingml/2006/main" sz="1600" i="1">
+                        <a:rPr xmlns:a="http://schemas.openxmlformats.org/drawingml/2006/main" sz="1550" i="1">
                           <a:solidFill>
                             <a:srgbClr val="000000"/>
                           </a:solidFill>
@@ -17350,7 +17248,7 @@
                     </m:dPr>
                     <m:e>
                       <m:r>
-                        <a:rPr xmlns:a="http://schemas.openxmlformats.org/drawingml/2006/main" sz="1600" i="1">
+                        <a:rPr xmlns:a="http://schemas.openxmlformats.org/drawingml/2006/main" sz="1550" i="1">
                           <a:solidFill>
                             <a:srgbClr val="000000"/>
                           </a:solidFill>
@@ -17368,7 +17266,7 @@
       </p:sp>
       <p:sp>
         <p:nvSpPr>
-          <p:cNvPr id="307" name="Text"/>
+          <p:cNvPr id="372" name="Text"/>
           <p:cNvSpPr txBox="1"/>
           <p:nvPr/>
         </p:nvSpPr>
@@ -17442,7 +17340,7 @@
       </p:sp>
       <p:sp>
         <p:nvSpPr>
-          <p:cNvPr id="308" name="Text"/>
+          <p:cNvPr id="373" name="Text"/>
           <p:cNvSpPr txBox="1"/>
           <p:nvPr/>
         </p:nvSpPr>
@@ -17477,7 +17375,7 @@
                 </m:oMathParaPr>
                 <m:oMath>
                   <m:r>
-                    <a:rPr xmlns:a="http://schemas.openxmlformats.org/drawingml/2006/main" sz="1750" i="1">
+                    <a:rPr xmlns:a="http://schemas.openxmlformats.org/drawingml/2006/main" sz="1700" i="1">
                       <a:solidFill>
                         <a:srgbClr val="000000"/>
                       </a:solidFill>
@@ -17488,7 +17386,7 @@
                   <m:d>
                     <m:dPr>
                       <m:ctrlPr>
-                        <a:rPr xmlns:a="http://schemas.openxmlformats.org/drawingml/2006/main" sz="1750" i="1">
+                        <a:rPr xmlns:a="http://schemas.openxmlformats.org/drawingml/2006/main" sz="1700" i="1">
                           <a:solidFill>
                             <a:srgbClr val="000000"/>
                           </a:solidFill>
@@ -17498,7 +17396,7 @@
                     </m:dPr>
                     <m:e>
                       <m:r>
-                        <a:rPr xmlns:a="http://schemas.openxmlformats.org/drawingml/2006/main" sz="1750" i="1">
+                        <a:rPr xmlns:a="http://schemas.openxmlformats.org/drawingml/2006/main" sz="1700" i="1">
                           <a:solidFill>
                             <a:srgbClr val="000000"/>
                           </a:solidFill>
@@ -17507,7 +17405,7 @@
                         <m:t>x</m:t>
                       </m:r>
                       <m:r>
-                        <a:rPr xmlns:a="http://schemas.openxmlformats.org/drawingml/2006/main" sz="1750" i="1">
+                        <a:rPr xmlns:a="http://schemas.openxmlformats.org/drawingml/2006/main" sz="1700" i="1">
                           <a:solidFill>
                             <a:srgbClr val="000000"/>
                           </a:solidFill>
@@ -17516,7 +17414,7 @@
                         <m:t>,</m:t>
                       </m:r>
                       <m:r>
-                        <a:rPr xmlns:a="http://schemas.openxmlformats.org/drawingml/2006/main" sz="1750" i="1">
+                        <a:rPr xmlns:a="http://schemas.openxmlformats.org/drawingml/2006/main" sz="1700" i="1">
                           <a:solidFill>
                             <a:srgbClr val="000000"/>
                           </a:solidFill>
@@ -17534,7 +17432,7 @@
       </p:sp>
       <p:sp>
         <p:nvSpPr>
-          <p:cNvPr id="309" name="Text"/>
+          <p:cNvPr id="374" name="Text"/>
           <p:cNvSpPr txBox="1"/>
           <p:nvPr/>
         </p:nvSpPr>
@@ -17569,7 +17467,7 @@
                 </m:oMathParaPr>
                 <m:oMath>
                   <m:r>
-                    <a:rPr xmlns:a="http://schemas.openxmlformats.org/drawingml/2006/main" sz="1600" i="1">
+                    <a:rPr xmlns:a="http://schemas.openxmlformats.org/drawingml/2006/main" sz="1500" i="1">
                       <a:solidFill>
                         <a:srgbClr val="000000"/>
                       </a:solidFill>
@@ -17580,7 +17478,7 @@
                   <m:d>
                     <m:dPr>
                       <m:ctrlPr>
-                        <a:rPr xmlns:a="http://schemas.openxmlformats.org/drawingml/2006/main" sz="1600" i="1">
+                        <a:rPr xmlns:a="http://schemas.openxmlformats.org/drawingml/2006/main" sz="1500" i="1">
                           <a:solidFill>
                             <a:srgbClr val="000000"/>
                           </a:solidFill>
@@ -17590,7 +17488,7 @@
                     </m:dPr>
                     <m:e>
                       <m:r>
-                        <a:rPr xmlns:a="http://schemas.openxmlformats.org/drawingml/2006/main" sz="1600" i="1">
+                        <a:rPr xmlns:a="http://schemas.openxmlformats.org/drawingml/2006/main" sz="1500" i="1">
                           <a:solidFill>
                             <a:srgbClr val="000000"/>
                           </a:solidFill>
@@ -17599,7 +17497,7 @@
                         <m:t>θ</m:t>
                       </m:r>
                       <m:r>
-                        <a:rPr xmlns:a="http://schemas.openxmlformats.org/drawingml/2006/main" sz="1600" i="1">
+                        <a:rPr xmlns:a="http://schemas.openxmlformats.org/drawingml/2006/main" sz="1500" i="1">
                           <a:solidFill>
                             <a:srgbClr val="000000"/>
                           </a:solidFill>
@@ -17608,7 +17506,7 @@
                         <m:t>,</m:t>
                       </m:r>
                       <m:r>
-                        <a:rPr xmlns:a="http://schemas.openxmlformats.org/drawingml/2006/main" sz="1600" i="1">
+                        <a:rPr xmlns:a="http://schemas.openxmlformats.org/drawingml/2006/main" sz="1500" i="1">
                           <a:solidFill>
                             <a:srgbClr val="000000"/>
                           </a:solidFill>
@@ -17626,7 +17524,7 @@
       </p:sp>
       <p:sp>
         <p:nvSpPr>
-          <p:cNvPr id="310" name="Text"/>
+          <p:cNvPr id="375" name="Text"/>
           <p:cNvSpPr txBox="1"/>
           <p:nvPr/>
         </p:nvSpPr>
@@ -17661,7 +17559,7 @@
                 </m:oMathParaPr>
                 <m:oMath>
                   <m:r>
-                    <a:rPr xmlns:a="http://schemas.openxmlformats.org/drawingml/2006/main" sz="1750" i="1">
+                    <a:rPr xmlns:a="http://schemas.openxmlformats.org/drawingml/2006/main" sz="1700" i="1">
                       <a:solidFill>
                         <a:srgbClr val="000000"/>
                       </a:solidFill>
@@ -17672,7 +17570,7 @@
                   <m:d>
                     <m:dPr>
                       <m:ctrlPr>
-                        <a:rPr xmlns:a="http://schemas.openxmlformats.org/drawingml/2006/main" sz="1750" i="1">
+                        <a:rPr xmlns:a="http://schemas.openxmlformats.org/drawingml/2006/main" sz="1700" i="1">
                           <a:solidFill>
                             <a:srgbClr val="000000"/>
                           </a:solidFill>
@@ -17684,7 +17582,7 @@
                       <m:limUpp>
                         <m:e>
                           <m:r>
-                            <a:rPr xmlns:a="http://schemas.openxmlformats.org/drawingml/2006/main" sz="1750" i="1">
+                            <a:rPr xmlns:a="http://schemas.openxmlformats.org/drawingml/2006/main" sz="1700" i="1">
                               <a:solidFill>
                                 <a:srgbClr val="000000"/>
                               </a:solidFill>
@@ -17698,7 +17596,7 @@
                             <m:rPr>
                               <m:sty m:val="p"/>
                             </m:rPr>
-                            <a:rPr xmlns:a="http://schemas.openxmlformats.org/drawingml/2006/main" sz="1750" i="1">
+                            <a:rPr xmlns:a="http://schemas.openxmlformats.org/drawingml/2006/main" sz="1700" i="1">
                               <a:solidFill>
                                 <a:srgbClr val="000000"/>
                               </a:solidFill>
@@ -17709,7 +17607,7 @@
                         </m:lim>
                       </m:limUpp>
                       <m:r>
-                        <a:rPr xmlns:a="http://schemas.openxmlformats.org/drawingml/2006/main" sz="1750" i="1">
+                        <a:rPr xmlns:a="http://schemas.openxmlformats.org/drawingml/2006/main" sz="1700" i="1">
                           <a:solidFill>
                             <a:srgbClr val="000000"/>
                           </a:solidFill>
@@ -17718,7 +17616,7 @@
                         <m:t>,</m:t>
                       </m:r>
                       <m:r>
-                        <a:rPr xmlns:a="http://schemas.openxmlformats.org/drawingml/2006/main" sz="1750" i="1">
+                        <a:rPr xmlns:a="http://schemas.openxmlformats.org/drawingml/2006/main" sz="1700" i="1">
                           <a:solidFill>
                             <a:srgbClr val="000000"/>
                           </a:solidFill>
@@ -17736,7 +17634,7 @@
       </p:sp>
       <p:sp>
         <p:nvSpPr>
-          <p:cNvPr id="311" name="Text"/>
+          <p:cNvPr id="376" name="Text"/>
           <p:cNvSpPr txBox="1"/>
           <p:nvPr/>
         </p:nvSpPr>
@@ -17810,7 +17708,7 @@
       </p:sp>
       <p:sp>
         <p:nvSpPr>
-          <p:cNvPr id="312" name="Text"/>
+          <p:cNvPr id="377" name="Text"/>
           <p:cNvSpPr txBox="1"/>
           <p:nvPr/>
         </p:nvSpPr>
@@ -17902,7 +17800,7 @@
       </p:sp>
       <p:sp>
         <p:nvSpPr>
-          <p:cNvPr id="313" name="Text"/>
+          <p:cNvPr id="378" name="Text"/>
           <p:cNvSpPr txBox="1"/>
           <p:nvPr/>
         </p:nvSpPr>
@@ -17910,6 +17808,292 @@
           <a:xfrm>
             <a:off x="10233719" y="4140000"/>
             <a:ext cx="1024921" cy="356019"/>
+          </a:xfrm>
+          <a:prstGeom prst="rect">
+            <a:avLst/>
+          </a:prstGeom>
+          <a:ln w="12700">
+            <a:miter lim="400000"/>
+          </a:ln>
+          <a:extLst>
+            <a:ext uri="{C572A759-6A51-4108-AA02-DFA0A04FC94B}">
+              <ma14:wrappingTextBoxFlag xmlns:ma14="http://schemas.microsoft.com/office/mac/drawingml/2011/main" val="1"/>
+            </a:ext>
+          </a:extLst>
+        </p:spPr>
+        <p:txBody>
+          <a:bodyPr lIns="45719" rIns="45719">
+            <a:spAutoFit/>
+          </a:bodyPr>
+          <a:lstStyle/>
+          <a:p>
+            <a:pPr/>
+            <a14:m>
+              <m:oMathPara>
+                <m:oMathParaPr>
+                  <m:jc m:val="left"/>
+                </m:oMathParaPr>
+                <m:oMath>
+                  <m:r>
+                    <a:rPr xmlns:a="http://schemas.openxmlformats.org/drawingml/2006/main" sz="1850" i="1">
+                      <a:solidFill>
+                        <a:srgbClr val="000000"/>
+                      </a:solidFill>
+                      <a:latin typeface="Cambria Math" panose="02040503050406030204" pitchFamily="18" charset="0"/>
+                    </a:rPr>
+                    <m:t>Z</m:t>
+                  </m:r>
+                  <m:d>
+                    <m:dPr>
+                      <m:ctrlPr>
+                        <a:rPr xmlns:a="http://schemas.openxmlformats.org/drawingml/2006/main" sz="1850" i="1">
+                          <a:solidFill>
+                            <a:srgbClr val="000000"/>
+                          </a:solidFill>
+                          <a:latin typeface="Cambria Math" panose="02040503050406030204" pitchFamily="18" charset="0"/>
+                        </a:rPr>
+                      </m:ctrlPr>
+                    </m:dPr>
+                    <m:e>
+                      <m:r>
+                        <a:rPr xmlns:a="http://schemas.openxmlformats.org/drawingml/2006/main" sz="1850" i="1">
+                          <a:solidFill>
+                            <a:srgbClr val="000000"/>
+                          </a:solidFill>
+                          <a:latin typeface="Cambria Math" panose="02040503050406030204" pitchFamily="18" charset="0"/>
+                        </a:rPr>
+                        <m:t>X</m:t>
+                      </m:r>
+                      <m:r>
+                        <a:rPr xmlns:a="http://schemas.openxmlformats.org/drawingml/2006/main" sz="1850" i="1">
+                          <a:solidFill>
+                            <a:srgbClr val="000000"/>
+                          </a:solidFill>
+                          <a:latin typeface="Cambria Math" panose="02040503050406030204" pitchFamily="18" charset="0"/>
+                        </a:rPr>
+                        <m:t>,</m:t>
+                      </m:r>
+                      <m:r>
+                        <a:rPr xmlns:a="http://schemas.openxmlformats.org/drawingml/2006/main" sz="1850" i="1">
+                          <a:solidFill>
+                            <a:srgbClr val="000000"/>
+                          </a:solidFill>
+                          <a:latin typeface="Cambria Math" panose="02040503050406030204" pitchFamily="18" charset="0"/>
+                        </a:rPr>
+                        <m:t>Y</m:t>
+                      </m:r>
+                      <m:r>
+                        <a:rPr xmlns:a="http://schemas.openxmlformats.org/drawingml/2006/main" sz="1850" i="1">
+                          <a:solidFill>
+                            <a:srgbClr val="000000"/>
+                          </a:solidFill>
+                          <a:latin typeface="Cambria Math" panose="02040503050406030204" pitchFamily="18" charset="0"/>
+                        </a:rPr>
+                        <m:t>,</m:t>
+                      </m:r>
+                      <m:r>
+                        <a:rPr xmlns:a="http://schemas.openxmlformats.org/drawingml/2006/main" sz="1850" i="1">
+                          <a:solidFill>
+                            <a:srgbClr val="000000"/>
+                          </a:solidFill>
+                          <a:latin typeface="Cambria Math" panose="02040503050406030204" pitchFamily="18" charset="0"/>
+                        </a:rPr>
+                        <m:t>Z</m:t>
+                      </m:r>
+                    </m:e>
+                  </m:d>
+                </m:oMath>
+              </m:oMathPara>
+            </a14:m>
+          </a:p>
+        </p:txBody>
+      </p:sp>
+      <p:sp>
+        <p:nvSpPr>
+          <p:cNvPr id="379" name="or"/>
+          <p:cNvSpPr txBox="1"/>
+          <p:nvPr/>
+        </p:nvSpPr>
+        <p:spPr>
+          <a:xfrm>
+            <a:off x="10413000" y="3060000"/>
+            <a:ext cx="342001" cy="311953"/>
+          </a:xfrm>
+          <a:prstGeom prst="rect">
+            <a:avLst/>
+          </a:prstGeom>
+          <a:ln w="12700">
+            <a:miter lim="400000"/>
+          </a:ln>
+          <a:extLst>
+            <a:ext uri="{C572A759-6A51-4108-AA02-DFA0A04FC94B}">
+              <ma14:wrappingTextBoxFlag xmlns:ma14="http://schemas.microsoft.com/office/mac/drawingml/2011/main" val="1"/>
+            </a:ext>
+          </a:extLst>
+        </p:spPr>
+        <p:txBody>
+          <a:bodyPr lIns="44999" tIns="44999" rIns="44999" bIns="44999">
+            <a:spAutoFit/>
+          </a:bodyPr>
+          <a:lstStyle>
+            <a:lvl1pPr>
+              <a:defRPr spc="0"/>
+            </a:lvl1pPr>
+          </a:lstStyle>
+          <a:p>
+            <a:pPr/>
+            <a:r>
+              <a:t>or</a:t>
+            </a:r>
+          </a:p>
+        </p:txBody>
+      </p:sp>
+      <p:sp>
+        <p:nvSpPr>
+          <p:cNvPr id="380" name="or"/>
+          <p:cNvSpPr txBox="1"/>
+          <p:nvPr/>
+        </p:nvSpPr>
+        <p:spPr>
+          <a:xfrm>
+            <a:off x="10377000" y="3779999"/>
+            <a:ext cx="342001" cy="311954"/>
+          </a:xfrm>
+          <a:prstGeom prst="rect">
+            <a:avLst/>
+          </a:prstGeom>
+          <a:ln w="12700">
+            <a:miter lim="400000"/>
+          </a:ln>
+          <a:extLst>
+            <a:ext uri="{C572A759-6A51-4108-AA02-DFA0A04FC94B}">
+              <ma14:wrappingTextBoxFlag xmlns:ma14="http://schemas.microsoft.com/office/mac/drawingml/2011/main" val="1"/>
+            </a:ext>
+          </a:extLst>
+        </p:spPr>
+        <p:txBody>
+          <a:bodyPr lIns="44999" tIns="44999" rIns="44999" bIns="44999">
+            <a:spAutoFit/>
+          </a:bodyPr>
+          <a:lstStyle>
+            <a:lvl1pPr>
+              <a:defRPr spc="0"/>
+            </a:lvl1pPr>
+          </a:lstStyle>
+          <a:p>
+            <a:pPr/>
+            <a:r>
+              <a:t>or</a:t>
+            </a:r>
+          </a:p>
+        </p:txBody>
+      </p:sp>
+      <p:sp>
+        <p:nvSpPr>
+          <p:cNvPr id="381" name="Line"/>
+          <p:cNvSpPr/>
+          <p:nvPr/>
+        </p:nvSpPr>
+        <p:spPr>
+          <a:xfrm>
+            <a:off x="9215999" y="1979999"/>
+            <a:ext cx="1" cy="2808002"/>
+          </a:xfrm>
+          <a:prstGeom prst="line">
+            <a:avLst/>
+          </a:prstGeom>
+          <a:ln w="3175">
+            <a:solidFill>
+              <a:srgbClr val="3465A4"/>
+            </a:solidFill>
+          </a:ln>
+        </p:spPr>
+        <p:txBody>
+          <a:bodyPr lIns="45719" rIns="45719"/>
+          <a:lstStyle/>
+          <a:p>
+            <a:pPr/>
+          </a:p>
+        </p:txBody>
+      </p:sp>
+      <p:sp>
+        <p:nvSpPr>
+          <p:cNvPr id="382" name="Line"/>
+          <p:cNvSpPr/>
+          <p:nvPr/>
+        </p:nvSpPr>
+        <p:spPr>
+          <a:xfrm flipH="1">
+            <a:off x="4895999" y="1944000"/>
+            <a:ext cx="1" cy="2880001"/>
+          </a:xfrm>
+          <a:prstGeom prst="line">
+            <a:avLst/>
+          </a:prstGeom>
+          <a:ln w="3175">
+            <a:solidFill>
+              <a:srgbClr val="3465A4"/>
+            </a:solidFill>
+          </a:ln>
+        </p:spPr>
+        <p:txBody>
+          <a:bodyPr lIns="45719" rIns="45719"/>
+          <a:lstStyle/>
+          <a:p>
+            <a:pPr/>
+          </a:p>
+        </p:txBody>
+      </p:sp>
+      <p:sp>
+        <p:nvSpPr>
+          <p:cNvPr id="383" name="or ..."/>
+          <p:cNvSpPr txBox="1"/>
+          <p:nvPr/>
+        </p:nvSpPr>
+        <p:spPr>
+          <a:xfrm>
+            <a:off x="10413000" y="4541759"/>
+            <a:ext cx="1134001" cy="311954"/>
+          </a:xfrm>
+          <a:prstGeom prst="rect">
+            <a:avLst/>
+          </a:prstGeom>
+          <a:ln w="12700">
+            <a:miter lim="400000"/>
+          </a:ln>
+          <a:extLst>
+            <a:ext uri="{C572A759-6A51-4108-AA02-DFA0A04FC94B}">
+              <ma14:wrappingTextBoxFlag xmlns:ma14="http://schemas.microsoft.com/office/mac/drawingml/2011/main" val="1"/>
+            </a:ext>
+          </a:extLst>
+        </p:spPr>
+        <p:txBody>
+          <a:bodyPr lIns="44999" tIns="44999" rIns="44999" bIns="44999">
+            <a:spAutoFit/>
+          </a:bodyPr>
+          <a:lstStyle>
+            <a:lvl1pPr>
+              <a:defRPr spc="0"/>
+            </a:lvl1pPr>
+          </a:lstStyle>
+          <a:p>
+            <a:pPr/>
+            <a:r>
+              <a:t>or ...</a:t>
+            </a:r>
+          </a:p>
+        </p:txBody>
+      </p:sp>
+      <p:sp>
+        <p:nvSpPr>
+          <p:cNvPr id="384" name="Text"/>
+          <p:cNvSpPr txBox="1"/>
+          <p:nvPr/>
+        </p:nvSpPr>
+        <p:spPr>
+          <a:xfrm>
+            <a:off x="7599661" y="4725036"/>
+            <a:ext cx="1200241" cy="390298"/>
           </a:xfrm>
           <a:prstGeom prst="rect">
             <a:avLst/>
@@ -17943,298 +18127,12 @@
                       </a:solidFill>
                       <a:latin typeface="Cambria Math" panose="02040503050406030204" pitchFamily="18" charset="0"/>
                     </a:rPr>
-                    <m:t>Z</m:t>
+                    <m:t>I</m:t>
                   </m:r>
                   <m:d>
                     <m:dPr>
                       <m:ctrlPr>
                         <a:rPr xmlns:a="http://schemas.openxmlformats.org/drawingml/2006/main" sz="1800" i="1">
-                          <a:solidFill>
-                            <a:srgbClr val="000000"/>
-                          </a:solidFill>
-                          <a:latin typeface="Cambria Math" panose="02040503050406030204" pitchFamily="18" charset="0"/>
-                        </a:rPr>
-                      </m:ctrlPr>
-                    </m:dPr>
-                    <m:e>
-                      <m:r>
-                        <a:rPr xmlns:a="http://schemas.openxmlformats.org/drawingml/2006/main" sz="1800" i="1">
-                          <a:solidFill>
-                            <a:srgbClr val="000000"/>
-                          </a:solidFill>
-                          <a:latin typeface="Cambria Math" panose="02040503050406030204" pitchFamily="18" charset="0"/>
-                        </a:rPr>
-                        <m:t>X</m:t>
-                      </m:r>
-                      <m:r>
-                        <a:rPr xmlns:a="http://schemas.openxmlformats.org/drawingml/2006/main" sz="1800" i="1">
-                          <a:solidFill>
-                            <a:srgbClr val="000000"/>
-                          </a:solidFill>
-                          <a:latin typeface="Cambria Math" panose="02040503050406030204" pitchFamily="18" charset="0"/>
-                        </a:rPr>
-                        <m:t>,</m:t>
-                      </m:r>
-                      <m:r>
-                        <a:rPr xmlns:a="http://schemas.openxmlformats.org/drawingml/2006/main" sz="1800" i="1">
-                          <a:solidFill>
-                            <a:srgbClr val="000000"/>
-                          </a:solidFill>
-                          <a:latin typeface="Cambria Math" panose="02040503050406030204" pitchFamily="18" charset="0"/>
-                        </a:rPr>
-                        <m:t>Y</m:t>
-                      </m:r>
-                      <m:r>
-                        <a:rPr xmlns:a="http://schemas.openxmlformats.org/drawingml/2006/main" sz="1800" i="1">
-                          <a:solidFill>
-                            <a:srgbClr val="000000"/>
-                          </a:solidFill>
-                          <a:latin typeface="Cambria Math" panose="02040503050406030204" pitchFamily="18" charset="0"/>
-                        </a:rPr>
-                        <m:t>,</m:t>
-                      </m:r>
-                      <m:r>
-                        <a:rPr xmlns:a="http://schemas.openxmlformats.org/drawingml/2006/main" sz="1800" i="1">
-                          <a:solidFill>
-                            <a:srgbClr val="000000"/>
-                          </a:solidFill>
-                          <a:latin typeface="Cambria Math" panose="02040503050406030204" pitchFamily="18" charset="0"/>
-                        </a:rPr>
-                        <m:t>Z</m:t>
-                      </m:r>
-                    </m:e>
-                  </m:d>
-                </m:oMath>
-              </m:oMathPara>
-            </a14:m>
-          </a:p>
-        </p:txBody>
-      </p:sp>
-      <p:sp>
-        <p:nvSpPr>
-          <p:cNvPr id="314" name="or"/>
-          <p:cNvSpPr txBox="1"/>
-          <p:nvPr/>
-        </p:nvSpPr>
-        <p:spPr>
-          <a:xfrm>
-            <a:off x="10413000" y="3060000"/>
-            <a:ext cx="342001" cy="311953"/>
-          </a:xfrm>
-          <a:prstGeom prst="rect">
-            <a:avLst/>
-          </a:prstGeom>
-          <a:ln w="12700">
-            <a:miter lim="400000"/>
-          </a:ln>
-          <a:extLst>
-            <a:ext uri="{C572A759-6A51-4108-AA02-DFA0A04FC94B}">
-              <ma14:wrappingTextBoxFlag xmlns:ma14="http://schemas.microsoft.com/office/mac/drawingml/2011/main" val="1"/>
-            </a:ext>
-          </a:extLst>
-        </p:spPr>
-        <p:txBody>
-          <a:bodyPr lIns="44999" tIns="44999" rIns="44999" bIns="44999">
-            <a:spAutoFit/>
-          </a:bodyPr>
-          <a:lstStyle>
-            <a:lvl1pPr>
-              <a:defRPr spc="0"/>
-            </a:lvl1pPr>
-          </a:lstStyle>
-          <a:p>
-            <a:pPr/>
-            <a:r>
-              <a:t>or</a:t>
-            </a:r>
-          </a:p>
-        </p:txBody>
-      </p:sp>
-      <p:sp>
-        <p:nvSpPr>
-          <p:cNvPr id="315" name="or"/>
-          <p:cNvSpPr txBox="1"/>
-          <p:nvPr/>
-        </p:nvSpPr>
-        <p:spPr>
-          <a:xfrm>
-            <a:off x="10377000" y="3779999"/>
-            <a:ext cx="342001" cy="311954"/>
-          </a:xfrm>
-          <a:prstGeom prst="rect">
-            <a:avLst/>
-          </a:prstGeom>
-          <a:ln w="12700">
-            <a:miter lim="400000"/>
-          </a:ln>
-          <a:extLst>
-            <a:ext uri="{C572A759-6A51-4108-AA02-DFA0A04FC94B}">
-              <ma14:wrappingTextBoxFlag xmlns:ma14="http://schemas.microsoft.com/office/mac/drawingml/2011/main" val="1"/>
-            </a:ext>
-          </a:extLst>
-        </p:spPr>
-        <p:txBody>
-          <a:bodyPr lIns="44999" tIns="44999" rIns="44999" bIns="44999">
-            <a:spAutoFit/>
-          </a:bodyPr>
-          <a:lstStyle>
-            <a:lvl1pPr>
-              <a:defRPr spc="0"/>
-            </a:lvl1pPr>
-          </a:lstStyle>
-          <a:p>
-            <a:pPr/>
-            <a:r>
-              <a:t>or</a:t>
-            </a:r>
-          </a:p>
-        </p:txBody>
-      </p:sp>
-      <p:sp>
-        <p:nvSpPr>
-          <p:cNvPr id="316" name="Line"/>
-          <p:cNvSpPr/>
-          <p:nvPr/>
-        </p:nvSpPr>
-        <p:spPr>
-          <a:xfrm>
-            <a:off x="9215999" y="1979999"/>
-            <a:ext cx="1" cy="2808002"/>
-          </a:xfrm>
-          <a:prstGeom prst="line">
-            <a:avLst/>
-          </a:prstGeom>
-          <a:ln w="3175">
-            <a:solidFill>
-              <a:srgbClr val="3465A4"/>
-            </a:solidFill>
-          </a:ln>
-        </p:spPr>
-        <p:txBody>
-          <a:bodyPr lIns="45719" rIns="45719"/>
-          <a:lstStyle/>
-          <a:p>
-            <a:pPr/>
-          </a:p>
-        </p:txBody>
-      </p:sp>
-      <p:sp>
-        <p:nvSpPr>
-          <p:cNvPr id="317" name="Line"/>
-          <p:cNvSpPr/>
-          <p:nvPr/>
-        </p:nvSpPr>
-        <p:spPr>
-          <a:xfrm flipH="1">
-            <a:off x="4895999" y="1944000"/>
-            <a:ext cx="1" cy="2880001"/>
-          </a:xfrm>
-          <a:prstGeom prst="line">
-            <a:avLst/>
-          </a:prstGeom>
-          <a:ln w="3175">
-            <a:solidFill>
-              <a:srgbClr val="3465A4"/>
-            </a:solidFill>
-          </a:ln>
-        </p:spPr>
-        <p:txBody>
-          <a:bodyPr lIns="45719" rIns="45719"/>
-          <a:lstStyle/>
-          <a:p>
-            <a:pPr/>
-          </a:p>
-        </p:txBody>
-      </p:sp>
-      <p:sp>
-        <p:nvSpPr>
-          <p:cNvPr id="318" name="or ..."/>
-          <p:cNvSpPr txBox="1"/>
-          <p:nvPr/>
-        </p:nvSpPr>
-        <p:spPr>
-          <a:xfrm>
-            <a:off x="10413000" y="4541759"/>
-            <a:ext cx="1134001" cy="311954"/>
-          </a:xfrm>
-          <a:prstGeom prst="rect">
-            <a:avLst/>
-          </a:prstGeom>
-          <a:ln w="12700">
-            <a:miter lim="400000"/>
-          </a:ln>
-          <a:extLst>
-            <a:ext uri="{C572A759-6A51-4108-AA02-DFA0A04FC94B}">
-              <ma14:wrappingTextBoxFlag xmlns:ma14="http://schemas.microsoft.com/office/mac/drawingml/2011/main" val="1"/>
-            </a:ext>
-          </a:extLst>
-        </p:spPr>
-        <p:txBody>
-          <a:bodyPr lIns="44999" tIns="44999" rIns="44999" bIns="44999">
-            <a:spAutoFit/>
-          </a:bodyPr>
-          <a:lstStyle>
-            <a:lvl1pPr>
-              <a:defRPr spc="0"/>
-            </a:lvl1pPr>
-          </a:lstStyle>
-          <a:p>
-            <a:pPr/>
-            <a:r>
-              <a:t>or ...</a:t>
-            </a:r>
-          </a:p>
-        </p:txBody>
-      </p:sp>
-      <p:sp>
-        <p:nvSpPr>
-          <p:cNvPr id="319" name="Text"/>
-          <p:cNvSpPr txBox="1"/>
-          <p:nvPr/>
-        </p:nvSpPr>
-        <p:spPr>
-          <a:xfrm>
-            <a:off x="7599661" y="4725036"/>
-            <a:ext cx="1200241" cy="390298"/>
-          </a:xfrm>
-          <a:prstGeom prst="rect">
-            <a:avLst/>
-          </a:prstGeom>
-          <a:ln w="12700">
-            <a:miter lim="400000"/>
-          </a:ln>
-          <a:extLst>
-            <a:ext uri="{C572A759-6A51-4108-AA02-DFA0A04FC94B}">
-              <ma14:wrappingTextBoxFlag xmlns:ma14="http://schemas.microsoft.com/office/mac/drawingml/2011/main" val="1"/>
-            </a:ext>
-          </a:extLst>
-        </p:spPr>
-        <p:txBody>
-          <a:bodyPr lIns="45719" rIns="45719">
-            <a:spAutoFit/>
-          </a:bodyPr>
-          <a:lstStyle/>
-          <a:p>
-            <a:pPr/>
-            <a14:m>
-              <m:oMathPara>
-                <m:oMathParaPr>
-                  <m:jc m:val="left"/>
-                </m:oMathParaPr>
-                <m:oMath>
-                  <m:r>
-                    <a:rPr xmlns:a="http://schemas.openxmlformats.org/drawingml/2006/main" sz="1650" i="1">
-                      <a:solidFill>
-                        <a:srgbClr val="000000"/>
-                      </a:solidFill>
-                      <a:latin typeface="Cambria Math" panose="02040503050406030204" pitchFamily="18" charset="0"/>
-                    </a:rPr>
-                    <m:t>I</m:t>
-                  </m:r>
-                  <m:d>
-                    <m:dPr>
-                      <m:ctrlPr>
-                        <a:rPr xmlns:a="http://schemas.openxmlformats.org/drawingml/2006/main" sz="1650" i="1">
                           <a:solidFill>
                             <a:srgbClr val="000000"/>
                           </a:solidFill>
@@ -18249,7 +18147,7 @@
                             <m:rPr>
                               <m:nor/>
                             </m:rPr>
-                            <a:rPr xmlns:a="http://schemas.openxmlformats.org/drawingml/2006/main" sz="1650" i="1">
+                            <a:rPr xmlns:a="http://schemas.openxmlformats.org/drawingml/2006/main" sz="1800" i="1">
                               <a:solidFill>
                                 <a:srgbClr val="000000"/>
                               </a:solidFill>
@@ -18260,7 +18158,7 @@
                         </m:e>
                         <m:sub>
                           <m:r>
-                            <a:rPr xmlns:a="http://schemas.openxmlformats.org/drawingml/2006/main" sz="1650" i="1">
+                            <a:rPr xmlns:a="http://schemas.openxmlformats.org/drawingml/2006/main" sz="1800" i="1">
                               <a:solidFill>
                                 <a:srgbClr val="000000"/>
                               </a:solidFill>
@@ -18271,7 +18169,7 @@
                         </m:sub>
                       </m:sSub>
                       <m:r>
-                        <a:rPr xmlns:a="http://schemas.openxmlformats.org/drawingml/2006/main" sz="1650" i="1">
+                        <a:rPr xmlns:a="http://schemas.openxmlformats.org/drawingml/2006/main" sz="1800" i="1">
                           <a:solidFill>
                             <a:srgbClr val="000000"/>
                           </a:solidFill>
@@ -18285,7 +18183,7 @@
                             <m:rPr>
                               <m:nor/>
                             </m:rPr>
-                            <a:rPr xmlns:a="http://schemas.openxmlformats.org/drawingml/2006/main" sz="1650" i="1">
+                            <a:rPr xmlns:a="http://schemas.openxmlformats.org/drawingml/2006/main" sz="1800" i="1">
                               <a:solidFill>
                                 <a:srgbClr val="000000"/>
                               </a:solidFill>
@@ -18296,7 +18194,7 @@
                         </m:e>
                         <m:sub>
                           <m:r>
-                            <a:rPr xmlns:a="http://schemas.openxmlformats.org/drawingml/2006/main" sz="1650" i="1">
+                            <a:rPr xmlns:a="http://schemas.openxmlformats.org/drawingml/2006/main" sz="1800" i="1">
                               <a:solidFill>
                                 <a:srgbClr val="000000"/>
                               </a:solidFill>
@@ -18316,7 +18214,7 @@
       </p:sp>
       <p:sp>
         <p:nvSpPr>
-          <p:cNvPr id="320" name="Text"/>
+          <p:cNvPr id="385" name="Text"/>
           <p:cNvSpPr txBox="1"/>
           <p:nvPr/>
         </p:nvSpPr>
@@ -18351,7 +18249,7 @@
                 </m:oMathParaPr>
                 <m:oMath>
                   <m:r>
-                    <a:rPr xmlns:a="http://schemas.openxmlformats.org/drawingml/2006/main" sz="1650" i="1">
+                    <a:rPr xmlns:a="http://schemas.openxmlformats.org/drawingml/2006/main" sz="1750" i="1">
                       <a:solidFill>
                         <a:srgbClr val="000000"/>
                       </a:solidFill>
@@ -18362,7 +18260,7 @@
                   <m:d>
                     <m:dPr>
                       <m:ctrlPr>
-                        <a:rPr xmlns:a="http://schemas.openxmlformats.org/drawingml/2006/main" sz="1650" i="1">
+                        <a:rPr xmlns:a="http://schemas.openxmlformats.org/drawingml/2006/main" sz="1750" i="1">
                           <a:solidFill>
                             <a:srgbClr val="000000"/>
                           </a:solidFill>
@@ -18377,7 +18275,7 @@
                             <m:rPr>
                               <m:nor/>
                             </m:rPr>
-                            <a:rPr xmlns:a="http://schemas.openxmlformats.org/drawingml/2006/main" sz="1650" i="1">
+                            <a:rPr xmlns:a="http://schemas.openxmlformats.org/drawingml/2006/main" sz="1750" i="1">
                               <a:solidFill>
                                 <a:srgbClr val="000000"/>
                               </a:solidFill>
@@ -18388,7 +18286,7 @@
                         </m:e>
                         <m:sub>
                           <m:r>
-                            <a:rPr xmlns:a="http://schemas.openxmlformats.org/drawingml/2006/main" sz="1650" i="1">
+                            <a:rPr xmlns:a="http://schemas.openxmlformats.org/drawingml/2006/main" sz="1750" i="1">
                               <a:solidFill>
                                 <a:srgbClr val="000000"/>
                               </a:solidFill>
@@ -18399,7 +18297,7 @@
                         </m:sub>
                       </m:sSub>
                       <m:r>
-                        <a:rPr xmlns:a="http://schemas.openxmlformats.org/drawingml/2006/main" sz="1650" i="1">
+                        <a:rPr xmlns:a="http://schemas.openxmlformats.org/drawingml/2006/main" sz="1750" i="1">
                           <a:solidFill>
                             <a:srgbClr val="000000"/>
                           </a:solidFill>
@@ -18408,7 +18306,7 @@
                         <m:t>,</m:t>
                       </m:r>
                       <m:r>
-                        <a:rPr xmlns:a="http://schemas.openxmlformats.org/drawingml/2006/main" sz="1650" i="1">
+                        <a:rPr xmlns:a="http://schemas.openxmlformats.org/drawingml/2006/main" sz="1750" i="1">
                           <a:solidFill>
                             <a:srgbClr val="000000"/>
                           </a:solidFill>
@@ -18452,7 +18350,7 @@
       </p:grpSpPr>
       <p:sp>
         <p:nvSpPr>
-          <p:cNvPr id="322" name="Title 4"/>
+          <p:cNvPr id="387" name="Title 4"/>
           <p:cNvSpPr txBox="1"/>
           <p:nvPr/>
         </p:nvSpPr>
@@ -18492,7 +18390,7 @@
       </p:sp>
       <p:sp>
         <p:nvSpPr>
-          <p:cNvPr id="323" name="Slide Number Placeholder 3"/>
+          <p:cNvPr id="388" name="Slide Number Placeholder 3"/>
           <p:cNvSpPr txBox="1"/>
           <p:nvPr>
             <p:ph type="sldNum" sz="quarter" idx="2"/>
@@ -18523,7 +18421,7 @@
       </p:sp>
       <p:sp>
         <p:nvSpPr>
-          <p:cNvPr id="324" name="CustomShape 7"/>
+          <p:cNvPr id="389" name="CustomShape 7"/>
           <p:cNvSpPr txBox="1"/>
           <p:nvPr/>
         </p:nvSpPr>
@@ -18638,7 +18536,7 @@
       </p:grpSpPr>
       <p:sp>
         <p:nvSpPr>
-          <p:cNvPr id="326" name="Slide Number"/>
+          <p:cNvPr id="391" name="Slide Number"/>
           <p:cNvSpPr txBox="1"/>
           <p:nvPr>
             <p:ph type="sldNum" sz="quarter" idx="2"/>
@@ -18665,7 +18563,7 @@
       </p:sp>
       <p:sp>
         <p:nvSpPr>
-          <p:cNvPr id="327" name="Imagine a histogram, e.g. I(λ)…"/>
+          <p:cNvPr id="392" name="Imagine a histogram, e.g. I(λ)…"/>
           <p:cNvSpPr txBox="1"/>
           <p:nvPr/>
         </p:nvSpPr>
@@ -18709,7 +18607,7 @@
               </a:defRPr>
             </a:pPr>
             <a:r>
-              <a:t>Imagine a histogram, e.g. </a:t>
+              <a:t> Imagine a histogram, e.g. </a:t>
             </a:r>
             <a:r>
               <a:rPr b="1"/>
@@ -18793,6 +18691,9 @@
               </a:defRPr>
             </a:pPr>
             <a:r>
+              <a:t> </a:t>
+            </a:r>
+            <a:r>
               <a:t>The RMS variance over that set becomes our statistical error bar </a:t>
             </a:r>
             <a:r>
@@ -18804,7 +18705,7 @@
       </p:sp>
       <p:sp>
         <p:nvSpPr>
-          <p:cNvPr id="328" name="In a histogram sense"/>
+          <p:cNvPr id="393" name="In a histogram sense"/>
           <p:cNvSpPr txBox="1"/>
           <p:nvPr/>
         </p:nvSpPr>
@@ -18844,7 +18745,7 @@
       </p:sp>
       <p:sp>
         <p:nvSpPr>
-          <p:cNvPr id="329" name="Rectangle"/>
+          <p:cNvPr id="394" name="Rectangle"/>
           <p:cNvSpPr/>
           <p:nvPr/>
         </p:nvSpPr>
@@ -18875,7 +18776,7 @@
       </p:sp>
       <p:sp>
         <p:nvSpPr>
-          <p:cNvPr id="330" name="Rectangle"/>
+          <p:cNvPr id="395" name="Rectangle"/>
           <p:cNvSpPr/>
           <p:nvPr/>
         </p:nvSpPr>
@@ -18906,7 +18807,7 @@
       </p:sp>
       <p:sp>
         <p:nvSpPr>
-          <p:cNvPr id="331" name="Rectangle"/>
+          <p:cNvPr id="396" name="Rectangle"/>
           <p:cNvSpPr/>
           <p:nvPr/>
         </p:nvSpPr>
@@ -18937,7 +18838,7 @@
       </p:sp>
       <p:sp>
         <p:nvSpPr>
-          <p:cNvPr id="332" name="Rectangle"/>
+          <p:cNvPr id="397" name="Rectangle"/>
           <p:cNvSpPr/>
           <p:nvPr/>
         </p:nvSpPr>
@@ -18968,7 +18869,7 @@
       </p:sp>
       <p:sp>
         <p:nvSpPr>
-          <p:cNvPr id="333" name="Rectangle"/>
+          <p:cNvPr id="398" name="Rectangle"/>
           <p:cNvSpPr/>
           <p:nvPr/>
         </p:nvSpPr>
@@ -18999,7 +18900,7 @@
       </p:sp>
       <p:sp>
         <p:nvSpPr>
-          <p:cNvPr id="334" name="Rectangle"/>
+          <p:cNvPr id="399" name="Rectangle"/>
           <p:cNvSpPr/>
           <p:nvPr/>
         </p:nvSpPr>
@@ -19030,7 +18931,7 @@
       </p:sp>
       <p:sp>
         <p:nvSpPr>
-          <p:cNvPr id="335" name="Rectangle"/>
+          <p:cNvPr id="400" name="Rectangle"/>
           <p:cNvSpPr/>
           <p:nvPr/>
         </p:nvSpPr>
@@ -19061,7 +18962,7 @@
       </p:sp>
       <p:sp>
         <p:nvSpPr>
-          <p:cNvPr id="336" name="…"/>
+          <p:cNvPr id="401" name="…"/>
           <p:cNvSpPr txBox="1"/>
           <p:nvPr/>
         </p:nvSpPr>
@@ -19101,7 +19002,7 @@
       </p:sp>
       <p:sp>
         <p:nvSpPr>
-          <p:cNvPr id="337" name="…"/>
+          <p:cNvPr id="402" name="…"/>
           <p:cNvSpPr txBox="1"/>
           <p:nvPr/>
         </p:nvSpPr>
@@ -19141,7 +19042,7 @@
       </p:sp>
       <p:sp>
         <p:nvSpPr>
-          <p:cNvPr id="338" name="Connection Line"/>
+          <p:cNvPr id="403" name="Connection Line"/>
           <p:cNvSpPr/>
           <p:nvPr/>
         </p:nvSpPr>
@@ -19206,7 +19107,7 @@
       </p:sp>
       <p:sp>
         <p:nvSpPr>
-          <p:cNvPr id="339" name="In bin i, N events each carrying a fractional intensity pj so that"/>
+          <p:cNvPr id="404" name="In bin i, N events each carrying a fractional intensity pj so that"/>
           <p:cNvSpPr txBox="1"/>
           <p:nvPr/>
         </p:nvSpPr>
@@ -19284,7 +19185,7 @@
       </p:sp>
       <p:sp>
         <p:nvSpPr>
-          <p:cNvPr id="340" name="1"/>
+          <p:cNvPr id="405" name="1"/>
           <p:cNvSpPr txBox="1"/>
           <p:nvPr/>
         </p:nvSpPr>
@@ -19324,7 +19225,7 @@
       </p:sp>
       <p:sp>
         <p:nvSpPr>
-          <p:cNvPr id="341" name="2"/>
+          <p:cNvPr id="406" name="2"/>
           <p:cNvSpPr txBox="1"/>
           <p:nvPr/>
         </p:nvSpPr>
@@ -19364,7 +19265,7 @@
       </p:sp>
       <p:sp>
         <p:nvSpPr>
-          <p:cNvPr id="342" name="i"/>
+          <p:cNvPr id="407" name="i"/>
           <p:cNvSpPr txBox="1"/>
           <p:nvPr/>
         </p:nvSpPr>
@@ -19404,7 +19305,7 @@
       </p:sp>
       <p:sp>
         <p:nvSpPr>
-          <p:cNvPr id="343" name="k"/>
+          <p:cNvPr id="408" name="k"/>
           <p:cNvSpPr txBox="1"/>
           <p:nvPr/>
         </p:nvSpPr>
@@ -19444,7 +19345,7 @@
       </p:sp>
       <p:sp>
         <p:nvSpPr>
-          <p:cNvPr id="344" name="3"/>
+          <p:cNvPr id="409" name="3"/>
           <p:cNvSpPr txBox="1"/>
           <p:nvPr/>
         </p:nvSpPr>
@@ -19484,7 +19385,7 @@
       </p:sp>
       <p:pic>
         <p:nvPicPr>
-          <p:cNvPr id="345" name="Image" descr="Image"/>
+          <p:cNvPr id="410" name="Image" descr="Image"/>
           <p:cNvPicPr>
             <a:picLocks noChangeAspect="1"/>
           </p:cNvPicPr>
@@ -19539,7 +19440,7 @@
       </p:grpSpPr>
       <p:sp>
         <p:nvSpPr>
-          <p:cNvPr id="347" name="Double-click to edit"/>
+          <p:cNvPr id="412" name="Double-click to edit"/>
           <p:cNvSpPr txBox="1"/>
           <p:nvPr>
             <p:ph type="title"/>
@@ -19560,7 +19461,7 @@
       </p:sp>
       <p:sp>
         <p:nvSpPr>
-          <p:cNvPr id="348" name="Double-click to edit"/>
+          <p:cNvPr id="413" name="Double-click to edit"/>
           <p:cNvSpPr txBox="1"/>
           <p:nvPr>
             <p:ph type="body" idx="1"/>
@@ -19581,7 +19482,7 @@
       </p:sp>
       <p:sp>
         <p:nvSpPr>
-          <p:cNvPr id="349" name="Imagine a histogram, e.g. I(λ)…"/>
+          <p:cNvPr id="414" name="Imagine a histogram, e.g. I(λ)…"/>
           <p:cNvSpPr txBox="1"/>
           <p:nvPr/>
         </p:nvSpPr>
@@ -19720,7 +19621,7 @@
       </p:sp>
       <p:sp>
         <p:nvSpPr>
-          <p:cNvPr id="350" name="In a histogram sense"/>
+          <p:cNvPr id="415" name="In a histogram sense"/>
           <p:cNvSpPr txBox="1"/>
           <p:nvPr/>
         </p:nvSpPr>
@@ -19760,7 +19661,7 @@
       </p:sp>
       <p:sp>
         <p:nvSpPr>
-          <p:cNvPr id="351" name="Rectangle"/>
+          <p:cNvPr id="416" name="Rectangle"/>
           <p:cNvSpPr/>
           <p:nvPr/>
         </p:nvSpPr>
@@ -19791,7 +19692,7 @@
       </p:sp>
       <p:sp>
         <p:nvSpPr>
-          <p:cNvPr id="352" name="Rectangle"/>
+          <p:cNvPr id="417" name="Rectangle"/>
           <p:cNvSpPr/>
           <p:nvPr/>
         </p:nvSpPr>
@@ -19822,7 +19723,7 @@
       </p:sp>
       <p:sp>
         <p:nvSpPr>
-          <p:cNvPr id="353" name="Rectangle"/>
+          <p:cNvPr id="418" name="Rectangle"/>
           <p:cNvSpPr/>
           <p:nvPr/>
         </p:nvSpPr>
@@ -19853,7 +19754,7 @@
       </p:sp>
       <p:sp>
         <p:nvSpPr>
-          <p:cNvPr id="354" name="Rectangle"/>
+          <p:cNvPr id="419" name="Rectangle"/>
           <p:cNvSpPr/>
           <p:nvPr/>
         </p:nvSpPr>
@@ -19884,7 +19785,7 @@
       </p:sp>
       <p:sp>
         <p:nvSpPr>
-          <p:cNvPr id="355" name="Rectangle"/>
+          <p:cNvPr id="420" name="Rectangle"/>
           <p:cNvSpPr/>
           <p:nvPr/>
         </p:nvSpPr>
@@ -19915,7 +19816,7 @@
       </p:sp>
       <p:sp>
         <p:nvSpPr>
-          <p:cNvPr id="356" name="Rectangle"/>
+          <p:cNvPr id="421" name="Rectangle"/>
           <p:cNvSpPr/>
           <p:nvPr/>
         </p:nvSpPr>
@@ -19946,7 +19847,7 @@
       </p:sp>
       <p:sp>
         <p:nvSpPr>
-          <p:cNvPr id="357" name="Rectangle"/>
+          <p:cNvPr id="422" name="Rectangle"/>
           <p:cNvSpPr/>
           <p:nvPr/>
         </p:nvSpPr>
@@ -19977,7 +19878,7 @@
       </p:sp>
       <p:sp>
         <p:nvSpPr>
-          <p:cNvPr id="358" name="…"/>
+          <p:cNvPr id="423" name="…"/>
           <p:cNvSpPr txBox="1"/>
           <p:nvPr/>
         </p:nvSpPr>
@@ -20017,7 +19918,7 @@
       </p:sp>
       <p:sp>
         <p:nvSpPr>
-          <p:cNvPr id="359" name="…"/>
+          <p:cNvPr id="424" name="…"/>
           <p:cNvSpPr txBox="1"/>
           <p:nvPr/>
         </p:nvSpPr>
@@ -20057,7 +19958,7 @@
       </p:sp>
       <p:sp>
         <p:nvSpPr>
-          <p:cNvPr id="360" name="Connection Line"/>
+          <p:cNvPr id="425" name="Connection Line"/>
           <p:cNvSpPr/>
           <p:nvPr/>
         </p:nvSpPr>
@@ -20122,7 +20023,7 @@
       </p:sp>
       <p:sp>
         <p:nvSpPr>
-          <p:cNvPr id="361" name="In bin i, N events each carrying a fractional intensity pj so that"/>
+          <p:cNvPr id="426" name="In bin i, N events each carrying a fractional intensity pj so that"/>
           <p:cNvSpPr txBox="1"/>
           <p:nvPr/>
         </p:nvSpPr>
@@ -20196,7 +20097,7 @@
       </p:sp>
       <p:sp>
         <p:nvSpPr>
-          <p:cNvPr id="362" name="1"/>
+          <p:cNvPr id="427" name="1"/>
           <p:cNvSpPr txBox="1"/>
           <p:nvPr/>
         </p:nvSpPr>
@@ -20236,7 +20137,7 @@
       </p:sp>
       <p:sp>
         <p:nvSpPr>
-          <p:cNvPr id="363" name="2"/>
+          <p:cNvPr id="428" name="2"/>
           <p:cNvSpPr txBox="1"/>
           <p:nvPr/>
         </p:nvSpPr>
@@ -20276,7 +20177,7 @@
       </p:sp>
       <p:sp>
         <p:nvSpPr>
-          <p:cNvPr id="364" name="i"/>
+          <p:cNvPr id="429" name="i"/>
           <p:cNvSpPr txBox="1"/>
           <p:nvPr/>
         </p:nvSpPr>
@@ -20316,7 +20217,7 @@
       </p:sp>
       <p:sp>
         <p:nvSpPr>
-          <p:cNvPr id="365" name="k"/>
+          <p:cNvPr id="430" name="k"/>
           <p:cNvSpPr txBox="1"/>
           <p:nvPr/>
         </p:nvSpPr>
@@ -20356,7 +20257,7 @@
       </p:sp>
       <p:sp>
         <p:nvSpPr>
-          <p:cNvPr id="366" name="3"/>
+          <p:cNvPr id="431" name="3"/>
           <p:cNvSpPr txBox="1"/>
           <p:nvPr/>
         </p:nvSpPr>
@@ -20396,7 +20297,7 @@
       </p:sp>
       <p:sp>
         <p:nvSpPr>
-          <p:cNvPr id="367" name="I"/>
+          <p:cNvPr id="432" name="I"/>
           <p:cNvSpPr txBox="1"/>
           <p:nvPr/>
         </p:nvSpPr>
@@ -20444,7 +20345,7 @@
       </p:sp>
       <p:sp>
         <p:nvSpPr>
-          <p:cNvPr id="368" name="E"/>
+          <p:cNvPr id="433" name="E"/>
           <p:cNvSpPr txBox="1"/>
           <p:nvPr/>
         </p:nvSpPr>
@@ -20492,7 +20393,7 @@
       </p:sp>
       <p:sp>
         <p:nvSpPr>
-          <p:cNvPr id="369" name="N"/>
+          <p:cNvPr id="434" name="N"/>
           <p:cNvSpPr txBox="1"/>
           <p:nvPr/>
         </p:nvSpPr>
@@ -20540,7 +20441,7 @@
       </p:sp>
       <p:pic>
         <p:nvPicPr>
-          <p:cNvPr id="370" name="Image" descr="Image"/>
+          <p:cNvPr id="435" name="Image" descr="Image"/>
           <p:cNvPicPr>
             <a:picLocks noChangeAspect="1"/>
           </p:cNvPicPr>
@@ -20569,7 +20470,7 @@
       </p:pic>
       <p:sp>
         <p:nvSpPr>
-          <p:cNvPr id="371" name="Title 4"/>
+          <p:cNvPr id="436" name="Title 4"/>
           <p:cNvSpPr txBox="1"/>
           <p:nvPr/>
         </p:nvSpPr>
@@ -20609,7 +20510,7 @@
       </p:sp>
       <p:sp>
         <p:nvSpPr>
-          <p:cNvPr id="372" name="Slide Number Placeholder 3"/>
+          <p:cNvPr id="437" name="Slide Number Placeholder 3"/>
           <p:cNvSpPr txBox="1"/>
           <p:nvPr>
             <p:ph type="sldNum" sz="quarter" idx="2"/>
@@ -20640,7 +20541,7 @@
       </p:sp>
       <p:pic>
         <p:nvPicPr>
-          <p:cNvPr id="373" name="image180.png" descr="image180.png"/>
+          <p:cNvPr id="438" name="image180.png" descr="image180.png"/>
           <p:cNvPicPr>
             <a:picLocks noChangeAspect="1"/>
           </p:cNvPicPr>
@@ -20669,7 +20570,7 @@
       </p:pic>
       <p:sp>
         <p:nvSpPr>
-          <p:cNvPr id="374" name="Oval"/>
+          <p:cNvPr id="439" name="Oval"/>
           <p:cNvSpPr/>
           <p:nvPr/>
         </p:nvSpPr>
@@ -20697,7 +20598,7 @@
       </p:sp>
       <p:sp>
         <p:nvSpPr>
-          <p:cNvPr id="375" name="Statistics computed on the fly"/>
+          <p:cNvPr id="440" name="Statistics computed on the fly"/>
           <p:cNvSpPr txBox="1"/>
           <p:nvPr/>
         </p:nvSpPr>
@@ -20741,7 +20642,7 @@
       </p:sp>
       <p:sp>
         <p:nvSpPr>
-          <p:cNvPr id="376" name="Intensity / n/s"/>
+          <p:cNvPr id="441" name="Intensity / n/s"/>
           <p:cNvSpPr txBox="1"/>
           <p:nvPr/>
         </p:nvSpPr>
@@ -20785,7 +20686,7 @@
       </p:sp>
       <p:sp>
         <p:nvSpPr>
-          <p:cNvPr id="377" name="Estimated RMS MC error"/>
+          <p:cNvPr id="442" name="Estimated RMS MC error"/>
           <p:cNvSpPr txBox="1"/>
           <p:nvPr/>
         </p:nvSpPr>
@@ -20829,7 +20730,7 @@
       </p:sp>
       <p:sp>
         <p:nvSpPr>
-          <p:cNvPr id="378" name="# Events"/>
+          <p:cNvPr id="443" name="# Events"/>
           <p:cNvSpPr txBox="1"/>
           <p:nvPr/>
         </p:nvSpPr>
@@ -20873,7 +20774,7 @@
       </p:sp>
       <p:sp>
         <p:nvSpPr>
-          <p:cNvPr id="379" name="1st and 2nd moments of data"/>
+          <p:cNvPr id="444" name="1st and 2nd moments of data"/>
           <p:cNvSpPr txBox="1"/>
           <p:nvPr/>
         </p:nvSpPr>
@@ -20929,7 +20830,7 @@
       </p:sp>
       <p:sp>
         <p:nvSpPr>
-          <p:cNvPr id="380" name="Line"/>
+          <p:cNvPr id="445" name="Line"/>
           <p:cNvSpPr/>
           <p:nvPr/>
         </p:nvSpPr>
@@ -20958,7 +20859,7 @@
       </p:sp>
       <p:sp>
         <p:nvSpPr>
-          <p:cNvPr id="381" name="Line"/>
+          <p:cNvPr id="446" name="Line"/>
           <p:cNvSpPr/>
           <p:nvPr/>
         </p:nvSpPr>
@@ -20987,7 +20888,7 @@
       </p:sp>
       <p:sp>
         <p:nvSpPr>
-          <p:cNvPr id="382" name="Line"/>
+          <p:cNvPr id="447" name="Line"/>
           <p:cNvSpPr/>
           <p:nvPr/>
         </p:nvSpPr>
@@ -21016,7 +20917,7 @@
       </p:sp>
       <p:sp>
         <p:nvSpPr>
-          <p:cNvPr id="383" name="Line"/>
+          <p:cNvPr id="448" name="Line"/>
           <p:cNvSpPr/>
           <p:nvPr/>
         </p:nvSpPr>
@@ -21045,7 +20946,7 @@
       </p:sp>
       <p:sp>
         <p:nvSpPr>
-          <p:cNvPr id="384" name="Line"/>
+          <p:cNvPr id="449" name="Line"/>
           <p:cNvSpPr/>
           <p:nvPr/>
         </p:nvSpPr>
@@ -21100,7 +21001,7 @@
       </p:grpSpPr>
       <p:sp>
         <p:nvSpPr>
-          <p:cNvPr id="386" name="Double-click to edit"/>
+          <p:cNvPr id="451" name="Double-click to edit"/>
           <p:cNvSpPr txBox="1"/>
           <p:nvPr>
             <p:ph type="title"/>
@@ -21121,7 +21022,7 @@
       </p:sp>
       <p:sp>
         <p:nvSpPr>
-          <p:cNvPr id="387" name="Double-click to edit"/>
+          <p:cNvPr id="452" name="Double-click to edit"/>
           <p:cNvSpPr txBox="1"/>
           <p:nvPr>
             <p:ph type="body" idx="1"/>
@@ -21142,7 +21043,7 @@
       </p:sp>
       <p:sp>
         <p:nvSpPr>
-          <p:cNvPr id="388" name="Imagine a histogram, e.g. I(λ)…"/>
+          <p:cNvPr id="453" name="Imagine a histogram, e.g. I(λ)…"/>
           <p:cNvSpPr txBox="1"/>
           <p:nvPr/>
         </p:nvSpPr>
@@ -21281,7 +21182,7 @@
       </p:sp>
       <p:sp>
         <p:nvSpPr>
-          <p:cNvPr id="389" name="In a histogram sense"/>
+          <p:cNvPr id="454" name="In a histogram sense"/>
           <p:cNvSpPr txBox="1"/>
           <p:nvPr/>
         </p:nvSpPr>
@@ -21321,7 +21222,7 @@
       </p:sp>
       <p:sp>
         <p:nvSpPr>
-          <p:cNvPr id="390" name="Rectangle"/>
+          <p:cNvPr id="455" name="Rectangle"/>
           <p:cNvSpPr/>
           <p:nvPr/>
         </p:nvSpPr>
@@ -21352,7 +21253,7 @@
       </p:sp>
       <p:sp>
         <p:nvSpPr>
-          <p:cNvPr id="391" name="Rectangle"/>
+          <p:cNvPr id="456" name="Rectangle"/>
           <p:cNvSpPr/>
           <p:nvPr/>
         </p:nvSpPr>
@@ -21383,7 +21284,7 @@
       </p:sp>
       <p:sp>
         <p:nvSpPr>
-          <p:cNvPr id="392" name="Rectangle"/>
+          <p:cNvPr id="457" name="Rectangle"/>
           <p:cNvSpPr/>
           <p:nvPr/>
         </p:nvSpPr>
@@ -21414,7 +21315,7 @@
       </p:sp>
       <p:sp>
         <p:nvSpPr>
-          <p:cNvPr id="393" name="Rectangle"/>
+          <p:cNvPr id="458" name="Rectangle"/>
           <p:cNvSpPr/>
           <p:nvPr/>
         </p:nvSpPr>
@@ -21445,7 +21346,7 @@
       </p:sp>
       <p:sp>
         <p:nvSpPr>
-          <p:cNvPr id="394" name="Rectangle"/>
+          <p:cNvPr id="459" name="Rectangle"/>
           <p:cNvSpPr/>
           <p:nvPr/>
         </p:nvSpPr>
@@ -21476,7 +21377,7 @@
       </p:sp>
       <p:sp>
         <p:nvSpPr>
-          <p:cNvPr id="395" name="Rectangle"/>
+          <p:cNvPr id="460" name="Rectangle"/>
           <p:cNvSpPr/>
           <p:nvPr/>
         </p:nvSpPr>
@@ -21507,7 +21408,7 @@
       </p:sp>
       <p:sp>
         <p:nvSpPr>
-          <p:cNvPr id="396" name="Rectangle"/>
+          <p:cNvPr id="461" name="Rectangle"/>
           <p:cNvSpPr/>
           <p:nvPr/>
         </p:nvSpPr>
@@ -21538,7 +21439,7 @@
       </p:sp>
       <p:sp>
         <p:nvSpPr>
-          <p:cNvPr id="397" name="…"/>
+          <p:cNvPr id="462" name="…"/>
           <p:cNvSpPr txBox="1"/>
           <p:nvPr/>
         </p:nvSpPr>
@@ -21578,7 +21479,7 @@
       </p:sp>
       <p:sp>
         <p:nvSpPr>
-          <p:cNvPr id="398" name="…"/>
+          <p:cNvPr id="463" name="…"/>
           <p:cNvSpPr txBox="1"/>
           <p:nvPr/>
         </p:nvSpPr>
@@ -21618,7 +21519,7 @@
       </p:sp>
       <p:sp>
         <p:nvSpPr>
-          <p:cNvPr id="399" name="Connection Line"/>
+          <p:cNvPr id="464" name="Connection Line"/>
           <p:cNvSpPr/>
           <p:nvPr/>
         </p:nvSpPr>
@@ -21683,7 +21584,7 @@
       </p:sp>
       <p:sp>
         <p:nvSpPr>
-          <p:cNvPr id="400" name="In bin i, N events each carrying a fractional intensity pj so that"/>
+          <p:cNvPr id="465" name="In bin i, N events each carrying a fractional intensity pj so that"/>
           <p:cNvSpPr txBox="1"/>
           <p:nvPr/>
         </p:nvSpPr>
@@ -21757,7 +21658,7 @@
       </p:sp>
       <p:sp>
         <p:nvSpPr>
-          <p:cNvPr id="401" name="1"/>
+          <p:cNvPr id="466" name="1"/>
           <p:cNvSpPr txBox="1"/>
           <p:nvPr/>
         </p:nvSpPr>
@@ -21797,7 +21698,7 @@
       </p:sp>
       <p:sp>
         <p:nvSpPr>
-          <p:cNvPr id="402" name="2"/>
+          <p:cNvPr id="467" name="2"/>
           <p:cNvSpPr txBox="1"/>
           <p:nvPr/>
         </p:nvSpPr>
@@ -21837,7 +21738,7 @@
       </p:sp>
       <p:sp>
         <p:nvSpPr>
-          <p:cNvPr id="403" name="i"/>
+          <p:cNvPr id="468" name="i"/>
           <p:cNvSpPr txBox="1"/>
           <p:nvPr/>
         </p:nvSpPr>
@@ -21877,7 +21778,7 @@
       </p:sp>
       <p:sp>
         <p:nvSpPr>
-          <p:cNvPr id="404" name="k"/>
+          <p:cNvPr id="469" name="k"/>
           <p:cNvSpPr txBox="1"/>
           <p:nvPr/>
         </p:nvSpPr>
@@ -21917,7 +21818,7 @@
       </p:sp>
       <p:sp>
         <p:nvSpPr>
-          <p:cNvPr id="405" name="3"/>
+          <p:cNvPr id="470" name="3"/>
           <p:cNvSpPr txBox="1"/>
           <p:nvPr/>
         </p:nvSpPr>
@@ -21957,7 +21858,7 @@
       </p:sp>
       <p:sp>
         <p:nvSpPr>
-          <p:cNvPr id="406" name="I"/>
+          <p:cNvPr id="471" name="I"/>
           <p:cNvSpPr txBox="1"/>
           <p:nvPr/>
         </p:nvSpPr>
@@ -22005,7 +21906,7 @@
       </p:sp>
       <p:sp>
         <p:nvSpPr>
-          <p:cNvPr id="407" name="E"/>
+          <p:cNvPr id="472" name="E"/>
           <p:cNvSpPr txBox="1"/>
           <p:nvPr/>
         </p:nvSpPr>
@@ -22053,7 +21954,7 @@
       </p:sp>
       <p:sp>
         <p:nvSpPr>
-          <p:cNvPr id="408" name="N"/>
+          <p:cNvPr id="473" name="N"/>
           <p:cNvSpPr txBox="1"/>
           <p:nvPr/>
         </p:nvSpPr>
@@ -22101,7 +22002,7 @@
       </p:sp>
       <p:pic>
         <p:nvPicPr>
-          <p:cNvPr id="409" name="Image" descr="Image"/>
+          <p:cNvPr id="474" name="Image" descr="Image"/>
           <p:cNvPicPr>
             <a:picLocks noChangeAspect="1"/>
           </p:cNvPicPr>
@@ -22130,7 +22031,7 @@
       </p:pic>
       <p:sp>
         <p:nvSpPr>
-          <p:cNvPr id="410" name="Title 4"/>
+          <p:cNvPr id="475" name="Title 4"/>
           <p:cNvSpPr txBox="1"/>
           <p:nvPr/>
         </p:nvSpPr>
@@ -22170,7 +22071,7 @@
       </p:sp>
       <p:sp>
         <p:nvSpPr>
-          <p:cNvPr id="411" name="Slide Number Placeholder 3"/>
+          <p:cNvPr id="476" name="Slide Number Placeholder 3"/>
           <p:cNvSpPr txBox="1"/>
           <p:nvPr>
             <p:ph type="sldNum" sz="quarter" idx="2"/>
@@ -22201,7 +22102,7 @@
       </p:sp>
       <p:pic>
         <p:nvPicPr>
-          <p:cNvPr id="412" name="image180.png" descr="image180.png"/>
+          <p:cNvPr id="477" name="image180.png" descr="image180.png"/>
           <p:cNvPicPr>
             <a:picLocks noChangeAspect="1"/>
           </p:cNvPicPr>
@@ -22230,7 +22131,7 @@
       </p:pic>
       <p:sp>
         <p:nvSpPr>
-          <p:cNvPr id="413" name="Oval"/>
+          <p:cNvPr id="478" name="Oval"/>
           <p:cNvSpPr/>
           <p:nvPr/>
         </p:nvSpPr>
@@ -22258,7 +22159,7 @@
       </p:sp>
       <p:sp>
         <p:nvSpPr>
-          <p:cNvPr id="414" name="Statistics computed on the fly"/>
+          <p:cNvPr id="479" name="Statistics computed on the fly"/>
           <p:cNvSpPr txBox="1"/>
           <p:nvPr/>
         </p:nvSpPr>
@@ -22302,7 +22203,7 @@
       </p:sp>
       <p:sp>
         <p:nvSpPr>
-          <p:cNvPr id="415" name="Intensity / n/s"/>
+          <p:cNvPr id="480" name="Intensity / n/s"/>
           <p:cNvSpPr txBox="1"/>
           <p:nvPr/>
         </p:nvSpPr>
@@ -22346,7 +22247,7 @@
       </p:sp>
       <p:sp>
         <p:nvSpPr>
-          <p:cNvPr id="416" name="Estimated RMS MC error"/>
+          <p:cNvPr id="481" name="Estimated RMS MC error"/>
           <p:cNvSpPr txBox="1"/>
           <p:nvPr/>
         </p:nvSpPr>
@@ -22390,7 +22291,7 @@
       </p:sp>
       <p:sp>
         <p:nvSpPr>
-          <p:cNvPr id="417" name="# Events"/>
+          <p:cNvPr id="482" name="# Events"/>
           <p:cNvSpPr txBox="1"/>
           <p:nvPr/>
         </p:nvSpPr>
@@ -22434,7 +22335,7 @@
       </p:sp>
       <p:sp>
         <p:nvSpPr>
-          <p:cNvPr id="418" name="1st and 2nd moments of data"/>
+          <p:cNvPr id="483" name="1st and 2nd moments of data"/>
           <p:cNvSpPr txBox="1"/>
           <p:nvPr/>
         </p:nvSpPr>
@@ -22490,7 +22391,7 @@
       </p:sp>
       <p:sp>
         <p:nvSpPr>
-          <p:cNvPr id="419" name="Line"/>
+          <p:cNvPr id="484" name="Line"/>
           <p:cNvSpPr/>
           <p:nvPr/>
         </p:nvSpPr>
@@ -22519,7 +22420,7 @@
       </p:sp>
       <p:sp>
         <p:nvSpPr>
-          <p:cNvPr id="420" name="Line"/>
+          <p:cNvPr id="485" name="Line"/>
           <p:cNvSpPr/>
           <p:nvPr/>
         </p:nvSpPr>
@@ -22548,7 +22449,7 @@
       </p:sp>
       <p:sp>
         <p:nvSpPr>
-          <p:cNvPr id="421" name="Line"/>
+          <p:cNvPr id="486" name="Line"/>
           <p:cNvSpPr/>
           <p:nvPr/>
         </p:nvSpPr>
@@ -22577,7 +22478,7 @@
       </p:sp>
       <p:sp>
         <p:nvSpPr>
-          <p:cNvPr id="422" name="Line"/>
+          <p:cNvPr id="487" name="Line"/>
           <p:cNvSpPr/>
           <p:nvPr/>
         </p:nvSpPr>
@@ -22606,7 +22507,7 @@
       </p:sp>
       <p:sp>
         <p:nvSpPr>
-          <p:cNvPr id="423" name="Line"/>
+          <p:cNvPr id="488" name="Line"/>
           <p:cNvSpPr/>
           <p:nvPr/>
         </p:nvSpPr>
@@ -22635,7 +22536,7 @@
       </p:sp>
       <p:sp>
         <p:nvSpPr>
-          <p:cNvPr id="424" name="Statistics also available per bin (inside data file)"/>
+          <p:cNvPr id="489" name="Statistics also available per bin (inside data file)"/>
           <p:cNvSpPr txBox="1"/>
           <p:nvPr/>
         </p:nvSpPr>
@@ -22679,7 +22580,7 @@
       </p:sp>
       <p:sp>
         <p:nvSpPr>
-          <p:cNvPr id="425" name="Line"/>
+          <p:cNvPr id="490" name="Line"/>
           <p:cNvSpPr/>
           <p:nvPr/>
         </p:nvSpPr>
@@ -22734,7 +22635,7 @@
       </p:grpSpPr>
       <p:sp>
         <p:nvSpPr>
-          <p:cNvPr id="427" name="Double-click to edit"/>
+          <p:cNvPr id="492" name="Double-click to edit"/>
           <p:cNvSpPr txBox="1"/>
           <p:nvPr>
             <p:ph type="title"/>
@@ -22755,7 +22656,7 @@
       </p:sp>
       <p:sp>
         <p:nvSpPr>
-          <p:cNvPr id="428" name="Double-click to edit"/>
+          <p:cNvPr id="493" name="Double-click to edit"/>
           <p:cNvSpPr txBox="1"/>
           <p:nvPr>
             <p:ph type="body" idx="1"/>
@@ -22776,7 +22677,7 @@
       </p:sp>
       <p:sp>
         <p:nvSpPr>
-          <p:cNvPr id="429" name="Title 4"/>
+          <p:cNvPr id="494" name="Title 4"/>
           <p:cNvSpPr txBox="1"/>
           <p:nvPr/>
         </p:nvSpPr>
@@ -22816,7 +22717,7 @@
       </p:sp>
       <p:pic>
         <p:nvPicPr>
-          <p:cNvPr id="430" name="image183.png" descr="image183.png"/>
+          <p:cNvPr id="495" name="image183.png" descr="image183.png"/>
           <p:cNvPicPr>
             <a:picLocks noChangeAspect="1"/>
           </p:cNvPicPr>
@@ -22845,7 +22746,7 @@
       </p:pic>
       <p:sp>
         <p:nvSpPr>
-          <p:cNvPr id="431" name="Slide Number Placeholder 3"/>
+          <p:cNvPr id="496" name="Slide Number Placeholder 3"/>
           <p:cNvSpPr txBox="1"/>
           <p:nvPr>
             <p:ph type="sldNum" sz="quarter" idx="2"/>
@@ -22876,7 +22777,7 @@
       </p:sp>
       <p:sp>
         <p:nvSpPr>
-          <p:cNvPr id="432" name="In 2D"/>
+          <p:cNvPr id="497" name="In 2D"/>
           <p:cNvSpPr txBox="1"/>
           <p:nvPr/>
         </p:nvSpPr>
@@ -22920,7 +22821,7 @@
       </p:sp>
       <p:sp>
         <p:nvSpPr>
-          <p:cNvPr id="433" name="1st and 2nd moments"/>
+          <p:cNvPr id="498" name="1st and 2nd moments"/>
           <p:cNvSpPr txBox="1"/>
           <p:nvPr/>
         </p:nvSpPr>
@@ -23006,7 +22907,7 @@
       </p:sp>
       <p:sp>
         <p:nvSpPr>
-          <p:cNvPr id="434" name="Line"/>
+          <p:cNvPr id="499" name="Line"/>
           <p:cNvSpPr/>
           <p:nvPr/>
         </p:nvSpPr>
@@ -23035,7 +22936,7 @@
       </p:sp>
       <p:sp>
         <p:nvSpPr>
-          <p:cNvPr id="435" name="Line"/>
+          <p:cNvPr id="500" name="Line"/>
           <p:cNvSpPr/>
           <p:nvPr/>
         </p:nvSpPr>
@@ -23064,7 +22965,7 @@
       </p:sp>
       <p:sp>
         <p:nvSpPr>
-          <p:cNvPr id="436" name="Line"/>
+          <p:cNvPr id="501" name="Line"/>
           <p:cNvSpPr/>
           <p:nvPr/>
         </p:nvSpPr>
@@ -23093,7 +22994,7 @@
       </p:sp>
       <p:sp>
         <p:nvSpPr>
-          <p:cNvPr id="437" name="Line"/>
+          <p:cNvPr id="502" name="Line"/>
           <p:cNvSpPr/>
           <p:nvPr/>
         </p:nvSpPr>
@@ -23148,7 +23049,7 @@
       </p:grpSpPr>
       <p:sp>
         <p:nvSpPr>
-          <p:cNvPr id="439" name="Slide Number"/>
+          <p:cNvPr id="504" name="Slide Number"/>
           <p:cNvSpPr txBox="1"/>
           <p:nvPr>
             <p:ph type="sldNum" sz="quarter" idx="2"/>
@@ -23175,7 +23076,7 @@
       </p:sp>
       <p:sp>
         <p:nvSpPr>
-          <p:cNvPr id="440" name="From &quot;Virtual experiments - the ultimate aim of neutron ray-tracing simulations&quot;, K. Lefmann et al., Journal of Neutron Research 16, 97-111 (2008)"/>
+          <p:cNvPr id="505" name="From &quot;Virtual experiments - the ultimate aim of neutron ray-tracing simulations&quot;, K. Lefmann et al., Journal of Neutron Research 16, 97-111 (2008)"/>
           <p:cNvSpPr txBox="1"/>
           <p:nvPr/>
         </p:nvSpPr>
@@ -23215,7 +23116,7 @@
       </p:sp>
       <p:grpSp>
         <p:nvGrpSpPr>
-          <p:cNvPr id="444" name="Group"/>
+          <p:cNvPr id="509" name="Group"/>
           <p:cNvGrpSpPr/>
           <p:nvPr/>
         </p:nvGrpSpPr>
@@ -23229,7 +23130,7 @@
         </p:grpSpPr>
         <p:pic>
           <p:nvPicPr>
-            <p:cNvPr id="441" name="PreviewScreenSnapz011.png" descr="PreviewScreenSnapz011.png"/>
+            <p:cNvPr id="506" name="PreviewScreenSnapz011.png" descr="PreviewScreenSnapz011.png"/>
             <p:cNvPicPr>
               <a:picLocks noChangeAspect="1"/>
             </p:cNvPicPr>
@@ -23261,7 +23162,7 @@
         </p:pic>
         <p:sp>
           <p:nvSpPr>
-            <p:cNvPr id="442" name="Oval"/>
+            <p:cNvPr id="507" name="Oval"/>
             <p:cNvSpPr/>
             <p:nvPr/>
           </p:nvSpPr>
@@ -23295,7 +23196,7 @@
         </p:sp>
         <p:sp>
           <p:nvSpPr>
-            <p:cNvPr id="443" name="Oval"/>
+            <p:cNvPr id="508" name="Oval"/>
             <p:cNvSpPr/>
             <p:nvPr/>
           </p:nvSpPr>
@@ -23356,7 +23257,7 @@
       </p:grpSpPr>
       <p:sp>
         <p:nvSpPr>
-          <p:cNvPr id="446" name="Slide Number"/>
+          <p:cNvPr id="511" name="Slide Number"/>
           <p:cNvSpPr txBox="1"/>
           <p:nvPr>
             <p:ph type="sldNum" sz="quarter" idx="2"/>
@@ -23383,7 +23284,7 @@
       </p:sp>
       <p:sp>
         <p:nvSpPr>
-          <p:cNvPr id="447" name="From &quot;Virtual experiments - the ultimate aim of neutron ray-tracing simulations&quot;, K. Lefmann et al., Journal of Neutron Research 16, 97-111 (2008)"/>
+          <p:cNvPr id="512" name="From &quot;Virtual experiments - the ultimate aim of neutron ray-tracing simulations&quot;, K. Lefmann et al., Journal of Neutron Research 16, 97-111 (2008)"/>
           <p:cNvSpPr txBox="1"/>
           <p:nvPr/>
         </p:nvSpPr>
@@ -23423,7 +23324,7 @@
       </p:sp>
       <p:grpSp>
         <p:nvGrpSpPr>
-          <p:cNvPr id="450" name="Group"/>
+          <p:cNvPr id="515" name="Group"/>
           <p:cNvGrpSpPr/>
           <p:nvPr/>
         </p:nvGrpSpPr>
@@ -23437,7 +23338,7 @@
         </p:grpSpPr>
         <p:pic>
           <p:nvPicPr>
-            <p:cNvPr id="448" name="PreviewScreenSnapz012.png" descr="PreviewScreenSnapz012.png"/>
+            <p:cNvPr id="513" name="PreviewScreenSnapz012.png" descr="PreviewScreenSnapz012.png"/>
             <p:cNvPicPr>
               <a:picLocks noChangeAspect="1"/>
             </p:cNvPicPr>
@@ -23468,7 +23369,7 @@
         </p:pic>
         <p:sp>
           <p:nvSpPr>
-            <p:cNvPr id="449" name="Oval"/>
+            <p:cNvPr id="514" name="Oval"/>
             <p:cNvSpPr/>
             <p:nvPr/>
           </p:nvSpPr>
@@ -23529,7 +23430,7 @@
       </p:grpSpPr>
       <p:sp>
         <p:nvSpPr>
-          <p:cNvPr id="452" name="Slide Number"/>
+          <p:cNvPr id="517" name="Slide Number"/>
           <p:cNvSpPr txBox="1"/>
           <p:nvPr>
             <p:ph type="sldNum" sz="quarter" idx="2"/>
@@ -23556,7 +23457,7 @@
       </p:sp>
       <p:sp>
         <p:nvSpPr>
-          <p:cNvPr id="453" name="On a given McStas histogram…"/>
+          <p:cNvPr id="518" name="On a given McStas histogram…"/>
           <p:cNvSpPr txBox="1"/>
           <p:nvPr/>
         </p:nvSpPr>
@@ -23672,7 +23573,7 @@
       </p:sp>
       <p:pic>
         <p:nvPicPr>
-          <p:cNvPr id="454" name="PreviewScreenSnapz012.png" descr="PreviewScreenSnapz012.png"/>
+          <p:cNvPr id="519" name="PreviewScreenSnapz012.png" descr="PreviewScreenSnapz012.png"/>
           <p:cNvPicPr>
             <a:picLocks noChangeAspect="1"/>
           </p:cNvPicPr>
@@ -23702,7 +23603,7 @@
       </p:pic>
       <p:sp>
         <p:nvSpPr>
-          <p:cNvPr id="455" name="Sketch of an algorithm…"/>
+          <p:cNvPr id="520" name="Sketch of an algorithm…"/>
           <p:cNvSpPr txBox="1"/>
           <p:nvPr/>
         </p:nvSpPr>
@@ -23742,7 +23643,7 @@
       </p:sp>
       <p:pic>
         <p:nvPicPr>
-          <p:cNvPr id="456" name="Image" descr="Image"/>
+          <p:cNvPr id="521" name="Image" descr="Image"/>
           <p:cNvPicPr>
             <a:picLocks noChangeAspect="1"/>
           </p:cNvPicPr>
@@ -23797,7 +23698,7 @@
       </p:grpSpPr>
       <p:sp>
         <p:nvSpPr>
-          <p:cNvPr id="103" name="Shape"/>
+          <p:cNvPr id="168" name="Shape"/>
           <p:cNvSpPr/>
           <p:nvPr/>
         </p:nvSpPr>
@@ -23864,7 +23765,7 @@
       </p:sp>
       <p:sp>
         <p:nvSpPr>
-          <p:cNvPr id="104" name="Title 4"/>
+          <p:cNvPr id="169" name="Title 4"/>
           <p:cNvSpPr txBox="1"/>
           <p:nvPr/>
         </p:nvSpPr>
@@ -23904,7 +23805,7 @@
       </p:sp>
       <p:sp>
         <p:nvSpPr>
-          <p:cNvPr id="105" name="Slide Number Placeholder 3"/>
+          <p:cNvPr id="170" name="Slide Number Placeholder 3"/>
           <p:cNvSpPr txBox="1"/>
           <p:nvPr>
             <p:ph type="sldNum" sz="quarter" idx="2"/>
@@ -23935,7 +23836,7 @@
       </p:sp>
       <p:sp>
         <p:nvSpPr>
-          <p:cNvPr id="106" name="Initial position and direction: as for Source_simple"/>
+          <p:cNvPr id="171" name="Initial position and direction: as for Source_simple"/>
           <p:cNvSpPr txBox="1"/>
           <p:nvPr/>
         </p:nvSpPr>
@@ -23975,7 +23876,7 @@
       </p:sp>
       <p:sp>
         <p:nvSpPr>
-          <p:cNvPr id="107" name="Line"/>
+          <p:cNvPr id="172" name="Line"/>
           <p:cNvSpPr/>
           <p:nvPr/>
         </p:nvSpPr>
@@ -24004,7 +23905,7 @@
       </p:sp>
       <p:sp>
         <p:nvSpPr>
-          <p:cNvPr id="108" name="Line"/>
+          <p:cNvPr id="173" name="Line"/>
           <p:cNvSpPr/>
           <p:nvPr/>
         </p:nvSpPr>
@@ -24033,7 +23934,7 @@
       </p:sp>
       <p:sp>
         <p:nvSpPr>
-          <p:cNvPr id="109" name="Line"/>
+          <p:cNvPr id="174" name="Line"/>
           <p:cNvSpPr/>
           <p:nvPr/>
         </p:nvSpPr>
@@ -24062,7 +23963,7 @@
       </p:sp>
       <p:sp>
         <p:nvSpPr>
-          <p:cNvPr id="110" name="Line"/>
+          <p:cNvPr id="175" name="Line"/>
           <p:cNvSpPr/>
           <p:nvPr/>
         </p:nvSpPr>
@@ -24094,7 +23995,7 @@
       </p:sp>
       <p:sp>
         <p:nvSpPr>
-          <p:cNvPr id="111" name="Line"/>
+          <p:cNvPr id="176" name="Line"/>
           <p:cNvSpPr/>
           <p:nvPr/>
         </p:nvSpPr>
@@ -24126,7 +24027,7 @@
       </p:sp>
       <p:sp>
         <p:nvSpPr>
-          <p:cNvPr id="112" name="Line"/>
+          <p:cNvPr id="177" name="Line"/>
           <p:cNvSpPr/>
           <p:nvPr/>
         </p:nvSpPr>
@@ -24158,7 +24059,7 @@
       </p:sp>
       <p:sp>
         <p:nvSpPr>
-          <p:cNvPr id="113" name="Line"/>
+          <p:cNvPr id="178" name="Line"/>
           <p:cNvSpPr/>
           <p:nvPr/>
         </p:nvSpPr>
@@ -24190,7 +24091,7 @@
       </p:sp>
       <p:sp>
         <p:nvSpPr>
-          <p:cNvPr id="114" name="Shape"/>
+          <p:cNvPr id="179" name="Shape"/>
           <p:cNvSpPr/>
           <p:nvPr/>
         </p:nvSpPr>
@@ -24254,7 +24155,7 @@
       </p:sp>
       <p:sp>
         <p:nvSpPr>
-          <p:cNvPr id="115" name="CustomShape 5"/>
+          <p:cNvPr id="180" name="CustomShape 5"/>
           <p:cNvSpPr txBox="1"/>
           <p:nvPr/>
         </p:nvSpPr>
@@ -24365,7 +24266,7 @@
       </p:sp>
       <p:sp>
         <p:nvSpPr>
-          <p:cNvPr id="116" name="Parameters from the PSI cold source"/>
+          <p:cNvPr id="181" name="Parameters from the PSI cold source"/>
           <p:cNvSpPr txBox="1"/>
           <p:nvPr/>
         </p:nvSpPr>
@@ -24431,7 +24332,7 @@
       </p:grpSpPr>
       <p:sp>
         <p:nvSpPr>
-          <p:cNvPr id="458" name="Slide Number"/>
+          <p:cNvPr id="523" name="Slide Number"/>
           <p:cNvSpPr txBox="1"/>
           <p:nvPr>
             <p:ph type="sldNum" sz="quarter" idx="2"/>
@@ -24458,7 +24359,7 @@
       </p:sp>
       <p:sp>
         <p:nvSpPr>
-          <p:cNvPr id="459" name="Sketch of an algorithm…"/>
+          <p:cNvPr id="524" name="Sketch of an algorithm…"/>
           <p:cNvSpPr txBox="1"/>
           <p:nvPr/>
         </p:nvSpPr>
@@ -24498,7 +24399,7 @@
       </p:sp>
       <p:sp>
         <p:nvSpPr>
-          <p:cNvPr id="460" name="CustomShape 5"/>
+          <p:cNvPr id="525" name="CustomShape 5"/>
           <p:cNvSpPr/>
           <p:nvPr/>
         </p:nvSpPr>
@@ -24545,7 +24446,7 @@
       </p:sp>
       <p:sp>
         <p:nvSpPr>
-          <p:cNvPr id="461" name="CustomShape 6"/>
+          <p:cNvPr id="526" name="CustomShape 6"/>
           <p:cNvSpPr txBox="1"/>
           <p:nvPr/>
         </p:nvSpPr>
@@ -24585,7 +24486,7 @@
       </p:sp>
       <p:sp>
         <p:nvSpPr>
-          <p:cNvPr id="462" name="CustomShape 7"/>
+          <p:cNvPr id="527" name="CustomShape 7"/>
           <p:cNvSpPr txBox="1"/>
           <p:nvPr/>
         </p:nvSpPr>
@@ -24635,7 +24536,7 @@
       </p:sp>
       <p:pic>
         <p:nvPicPr>
-          <p:cNvPr id="463" name="Image" descr="Image"/>
+          <p:cNvPr id="528" name="Image" descr="Image"/>
           <p:cNvPicPr>
             <a:picLocks noChangeAspect="1"/>
           </p:cNvPicPr>
@@ -24690,7 +24591,7 @@
       </p:grpSpPr>
       <p:sp>
         <p:nvSpPr>
-          <p:cNvPr id="465" name="Slide Number"/>
+          <p:cNvPr id="530" name="Slide Number"/>
           <p:cNvSpPr txBox="1"/>
           <p:nvPr>
             <p:ph type="sldNum" sz="quarter" idx="2"/>
@@ -24717,7 +24618,7 @@
       </p:sp>
       <p:sp>
         <p:nvSpPr>
-          <p:cNvPr id="466" name="Sketch of an algorithm…"/>
+          <p:cNvPr id="531" name="Sketch of an algorithm…"/>
           <p:cNvSpPr txBox="1"/>
           <p:nvPr/>
         </p:nvSpPr>
@@ -24757,7 +24658,7 @@
       </p:sp>
       <p:sp>
         <p:nvSpPr>
-          <p:cNvPr id="467" name="CustomShape 4"/>
+          <p:cNvPr id="532" name="CustomShape 4"/>
           <p:cNvSpPr/>
           <p:nvPr/>
         </p:nvSpPr>
@@ -24804,7 +24705,7 @@
       </p:sp>
       <p:sp>
         <p:nvSpPr>
-          <p:cNvPr id="468" name="CustomShape 5"/>
+          <p:cNvPr id="533" name="CustomShape 5"/>
           <p:cNvSpPr txBox="1"/>
           <p:nvPr/>
         </p:nvSpPr>
@@ -24928,7 +24829,7 @@
       </p:sp>
       <p:sp>
         <p:nvSpPr>
-          <p:cNvPr id="469" name="CustomShape 7"/>
+          <p:cNvPr id="534" name="CustomShape 7"/>
           <p:cNvSpPr txBox="1"/>
           <p:nvPr/>
         </p:nvSpPr>
@@ -24978,7 +24879,7 @@
       </p:sp>
       <p:sp>
         <p:nvSpPr>
-          <p:cNvPr id="470" name="CustomShape 9"/>
+          <p:cNvPr id="535" name="CustomShape 9"/>
           <p:cNvSpPr txBox="1"/>
           <p:nvPr/>
         </p:nvSpPr>
@@ -25026,7 +24927,7 @@
       </p:sp>
       <p:sp>
         <p:nvSpPr>
-          <p:cNvPr id="471" name="CustomShape 10"/>
+          <p:cNvPr id="536" name="CustomShape 10"/>
           <p:cNvSpPr txBox="1"/>
           <p:nvPr/>
         </p:nvSpPr>
@@ -25096,7 +24997,7 @@
       </p:grpSpPr>
       <p:sp>
         <p:nvSpPr>
-          <p:cNvPr id="473" name="Slide Number"/>
+          <p:cNvPr id="538" name="Slide Number"/>
           <p:cNvSpPr txBox="1"/>
           <p:nvPr>
             <p:ph type="sldNum" sz="quarter" idx="2"/>
@@ -25123,7 +25024,7 @@
       </p:sp>
       <p:sp>
         <p:nvSpPr>
-          <p:cNvPr id="474" name="Sketch of an algorithm…"/>
+          <p:cNvPr id="539" name="Sketch of an algorithm…"/>
           <p:cNvSpPr txBox="1"/>
           <p:nvPr/>
         </p:nvSpPr>
@@ -25163,7 +25064,7 @@
       </p:sp>
       <p:sp>
         <p:nvSpPr>
-          <p:cNvPr id="475" name="CustomShape 8"/>
+          <p:cNvPr id="540" name="CustomShape 8"/>
           <p:cNvSpPr txBox="1"/>
           <p:nvPr/>
         </p:nvSpPr>
@@ -25268,7 +25169,7 @@
       </p:sp>
       <p:sp>
         <p:nvSpPr>
-          <p:cNvPr id="476" name="… or monitor just about anything:"/>
+          <p:cNvPr id="541" name="… or monitor just about anything:"/>
           <p:cNvSpPr txBox="1"/>
           <p:nvPr/>
         </p:nvSpPr>
@@ -25334,7 +25235,7 @@
       </p:grpSpPr>
       <p:sp>
         <p:nvSpPr>
-          <p:cNvPr id="478" name="Slide Number"/>
+          <p:cNvPr id="543" name="Slide Number"/>
           <p:cNvSpPr txBox="1"/>
           <p:nvPr>
             <p:ph type="sldNum" sz="quarter" idx="2"/>
@@ -25361,7 +25262,7 @@
       </p:sp>
       <p:sp>
         <p:nvSpPr>
-          <p:cNvPr id="479" name="Sketch of an algorithm…"/>
+          <p:cNvPr id="544" name="Sketch of an algorithm…"/>
           <p:cNvSpPr txBox="1"/>
           <p:nvPr/>
         </p:nvSpPr>
@@ -25401,7 +25302,7 @@
       </p:sp>
       <p:sp>
         <p:nvSpPr>
-          <p:cNvPr id="480" name="Head over to the github site and continue the exercise we started before:"/>
+          <p:cNvPr id="545" name="Head over to the github site and continue the exercise we started before:"/>
           <p:cNvSpPr txBox="1"/>
           <p:nvPr/>
         </p:nvSpPr>
@@ -25441,14 +25342,14 @@
       </p:sp>
       <p:sp>
         <p:nvSpPr>
-          <p:cNvPr id="481" name="https://github.com/McStasMcXtrace/Schools/tree/master/ISIS_April_2021/Tuesday_April_13th/2_Component_Basics/Exercise/"/>
+          <p:cNvPr id="546" name="https://github.com/McStasMcXtrace/Schools/blob/master/2024/NECSA_October_2024/01_Monday_October_7th/02_McStas_sources_and_monitors/Exercise/README.md"/>
           <p:cNvSpPr txBox="1"/>
           <p:nvPr/>
         </p:nvSpPr>
         <p:spPr>
           <a:xfrm>
             <a:off x="2788199" y="3200400"/>
-            <a:ext cx="7682402" cy="540553"/>
+            <a:ext cx="7682402" cy="769153"/>
           </a:xfrm>
           <a:prstGeom prst="rect">
             <a:avLst/>
@@ -25502,7 +25403,7 @@
                 </a:uFill>
                 <a:hlinkClick r:id="rId2" invalidUrl="" action="" tgtFrame="" tooltip="" history="1" highlightClick="0" endSnd="0"/>
               </a:rPr>
-              <a:t>https://github.com/McStasMcXtrace/Schools/tree/master/ISIS_April_2021/Tuesday_April_13th/2_Component_Basics/Exercise/</a:t>
+              <a:t>https://github.com/McStasMcXtrace/Schools/blob/master/2024/NECSA_October_2024/01_Monday_October_7th/02_McStas_sources_and_monitors/Exercise/README.md</a:t>
             </a:r>
           </a:p>
         </p:txBody>
@@ -25535,7 +25436,7 @@
       </p:grpSpPr>
       <p:sp>
         <p:nvSpPr>
-          <p:cNvPr id="483" name="Double-click to edit"/>
+          <p:cNvPr id="548" name="Double-click to edit"/>
           <p:cNvSpPr txBox="1"/>
           <p:nvPr>
             <p:ph type="title"/>
@@ -25556,7 +25457,7 @@
       </p:sp>
       <p:sp>
         <p:nvSpPr>
-          <p:cNvPr id="484" name="Double-click to edit"/>
+          <p:cNvPr id="549" name="Double-click to edit"/>
           <p:cNvSpPr txBox="1"/>
           <p:nvPr>
             <p:ph type="body" idx="1"/>
@@ -25577,7 +25478,7 @@
       </p:sp>
       <p:sp>
         <p:nvSpPr>
-          <p:cNvPr id="485" name="Slide Number Placeholder 2"/>
+          <p:cNvPr id="550" name="Slide Number Placeholder 2"/>
           <p:cNvSpPr txBox="1"/>
           <p:nvPr>
             <p:ph type="sldNum" sz="quarter" idx="2"/>
@@ -25634,7 +25535,7 @@
       </p:grpSpPr>
       <p:sp>
         <p:nvSpPr>
-          <p:cNvPr id="118" name="Title 4"/>
+          <p:cNvPr id="183" name="Title 4"/>
           <p:cNvSpPr txBox="1"/>
           <p:nvPr/>
         </p:nvSpPr>
@@ -25674,7 +25575,7 @@
       </p:sp>
       <p:sp>
         <p:nvSpPr>
-          <p:cNvPr id="119" name="Slide Number Placeholder 3"/>
+          <p:cNvPr id="184" name="Slide Number Placeholder 3"/>
           <p:cNvSpPr txBox="1"/>
           <p:nvPr>
             <p:ph type="sldNum" sz="quarter" idx="2"/>
@@ -25705,7 +25606,7 @@
       </p:sp>
       <p:sp>
         <p:nvSpPr>
-          <p:cNvPr id="120" name="CustomShape 5"/>
+          <p:cNvPr id="185" name="CustomShape 5"/>
           <p:cNvSpPr txBox="1"/>
           <p:nvPr/>
         </p:nvSpPr>
@@ -25816,7 +25717,7 @@
       </p:sp>
       <p:sp>
         <p:nvSpPr>
-          <p:cNvPr id="121" name="Text"/>
+          <p:cNvPr id="186" name="Text"/>
           <p:cNvSpPr txBox="1"/>
           <p:nvPr/>
         </p:nvSpPr>
@@ -26006,7 +25907,7 @@
       </p:sp>
       <p:sp>
         <p:nvSpPr>
-          <p:cNvPr id="122" name="Intensity at a given wavelength drawn from a sum of (up to) 3 normalized Maxwellian distributions:"/>
+          <p:cNvPr id="187" name="Intensity at a given wavelength drawn from a sum of (up to) 3 normalized Maxwellian distributions:"/>
           <p:cNvSpPr txBox="1"/>
           <p:nvPr/>
         </p:nvSpPr>
@@ -26046,7 +25947,7 @@
       </p:sp>
       <p:sp>
         <p:nvSpPr>
-          <p:cNvPr id="123" name="Text"/>
+          <p:cNvPr id="188" name="Text"/>
           <p:cNvSpPr txBox="1"/>
           <p:nvPr/>
         </p:nvSpPr>
@@ -26345,7 +26246,7 @@
       </p:sp>
       <p:sp>
         <p:nvSpPr>
-          <p:cNvPr id="124" name="Text"/>
+          <p:cNvPr id="189" name="Text"/>
           <p:cNvSpPr txBox="1"/>
           <p:nvPr/>
         </p:nvSpPr>
@@ -26497,7 +26398,7 @@
       </p:sp>
       <p:sp>
         <p:nvSpPr>
-          <p:cNvPr id="125" name="Parameters from the PSI cold source"/>
+          <p:cNvPr id="190" name="Parameters from the PSI cold source"/>
           <p:cNvSpPr txBox="1"/>
           <p:nvPr/>
         </p:nvSpPr>
@@ -26563,7 +26464,7 @@
       </p:grpSpPr>
       <p:sp>
         <p:nvSpPr>
-          <p:cNvPr id="127" name="Title 4"/>
+          <p:cNvPr id="192" name="Title 4"/>
           <p:cNvSpPr txBox="1"/>
           <p:nvPr/>
         </p:nvSpPr>
@@ -26603,7 +26504,7 @@
       </p:sp>
       <p:sp>
         <p:nvSpPr>
-          <p:cNvPr id="128" name="Slide Number Placeholder 3"/>
+          <p:cNvPr id="193" name="Slide Number Placeholder 3"/>
           <p:cNvSpPr txBox="1"/>
           <p:nvPr>
             <p:ph type="sldNum" sz="quarter" idx="2"/>
@@ -26634,7 +26535,7 @@
       </p:sp>
       <p:sp>
         <p:nvSpPr>
-          <p:cNvPr id="129" name="CustomShape 5"/>
+          <p:cNvPr id="194" name="CustomShape 5"/>
           <p:cNvSpPr txBox="1"/>
           <p:nvPr/>
         </p:nvSpPr>
@@ -26745,7 +26646,7 @@
       </p:sp>
       <p:sp>
         <p:nvSpPr>
-          <p:cNvPr id="130" name="Parameters from the PSI cold source"/>
+          <p:cNvPr id="195" name="Parameters from the PSI cold source"/>
           <p:cNvSpPr txBox="1"/>
           <p:nvPr/>
         </p:nvSpPr>
@@ -26785,7 +26686,7 @@
       </p:sp>
       <p:pic>
         <p:nvPicPr>
-          <p:cNvPr id="131" name="image133.png" descr="image133.png"/>
+          <p:cNvPr id="196" name="image133.png" descr="image133.png"/>
           <p:cNvPicPr>
             <a:picLocks noChangeAspect="1"/>
           </p:cNvPicPr>
@@ -26840,7 +26741,7 @@
       </p:grpSpPr>
       <p:sp>
         <p:nvSpPr>
-          <p:cNvPr id="133" name="Title 4"/>
+          <p:cNvPr id="198" name="Title 4"/>
           <p:cNvSpPr txBox="1"/>
           <p:nvPr/>
         </p:nvSpPr>
@@ -26880,7 +26781,7 @@
       </p:sp>
       <p:sp>
         <p:nvSpPr>
-          <p:cNvPr id="134" name="Slide Number Placeholder 3"/>
+          <p:cNvPr id="199" name="Slide Number Placeholder 3"/>
           <p:cNvSpPr txBox="1"/>
           <p:nvPr>
             <p:ph type="sldNum" sz="quarter" idx="2"/>
@@ -26911,7 +26812,7 @@
       </p:sp>
       <p:sp>
         <p:nvSpPr>
-          <p:cNvPr id="135" name="CustomShape 5"/>
+          <p:cNvPr id="200" name="CustomShape 5"/>
           <p:cNvSpPr txBox="1"/>
           <p:nvPr/>
         </p:nvSpPr>
@@ -27022,7 +26923,7 @@
       </p:sp>
       <p:sp>
         <p:nvSpPr>
-          <p:cNvPr id="136" name="Parameters from the PSI cold source"/>
+          <p:cNvPr id="201" name="Parameters from the PSI cold source"/>
           <p:cNvSpPr txBox="1"/>
           <p:nvPr/>
         </p:nvSpPr>
@@ -27062,7 +26963,7 @@
       </p:sp>
       <p:sp>
         <p:nvSpPr>
-          <p:cNvPr id="137" name="Just for fun – let’s see what happens if we remove the fast peak…"/>
+          <p:cNvPr id="202" name="Just for fun – let’s see what happens if we remove the fast peak…"/>
           <p:cNvSpPr txBox="1"/>
           <p:nvPr/>
         </p:nvSpPr>
@@ -27102,7 +27003,7 @@
       </p:sp>
       <p:pic>
         <p:nvPicPr>
-          <p:cNvPr id="138" name="image134.png" descr="image134.png"/>
+          <p:cNvPr id="203" name="image134.png" descr="image134.png"/>
           <p:cNvPicPr>
             <a:picLocks noChangeAspect="1"/>
           </p:cNvPicPr>
@@ -27157,7 +27058,7 @@
       </p:grpSpPr>
       <p:sp>
         <p:nvSpPr>
-          <p:cNvPr id="140" name="Title 4"/>
+          <p:cNvPr id="205" name="Title 4"/>
           <p:cNvSpPr txBox="1"/>
           <p:nvPr/>
         </p:nvSpPr>
@@ -27197,7 +27098,7 @@
       </p:sp>
       <p:sp>
         <p:nvSpPr>
-          <p:cNvPr id="141" name="Slide Number Placeholder 3"/>
+          <p:cNvPr id="206" name="Slide Number Placeholder 3"/>
           <p:cNvSpPr txBox="1"/>
           <p:nvPr>
             <p:ph type="sldNum" sz="quarter" idx="2"/>
@@ -27228,7 +27129,7 @@
       </p:sp>
       <p:sp>
         <p:nvSpPr>
-          <p:cNvPr id="142" name="CustomShape 5"/>
+          <p:cNvPr id="207" name="CustomShape 5"/>
           <p:cNvSpPr txBox="1"/>
           <p:nvPr/>
         </p:nvSpPr>
@@ -27339,7 +27240,7 @@
       </p:sp>
       <p:sp>
         <p:nvSpPr>
-          <p:cNvPr id="143" name="Parameters from the PSI cold source"/>
+          <p:cNvPr id="208" name="Parameters from the PSI cold source"/>
           <p:cNvSpPr txBox="1"/>
           <p:nvPr/>
         </p:nvSpPr>
@@ -27379,7 +27280,7 @@
       </p:sp>
       <p:sp>
         <p:nvSpPr>
-          <p:cNvPr id="144" name="Just for fun – let’s see what happens if we remove the fast peak…"/>
+          <p:cNvPr id="209" name="Just for fun – let’s see what happens if we remove the fast peak…"/>
           <p:cNvSpPr txBox="1"/>
           <p:nvPr/>
         </p:nvSpPr>
@@ -27419,7 +27320,7 @@
       </p:sp>
       <p:pic>
         <p:nvPicPr>
-          <p:cNvPr id="145" name="image135.png" descr="image135.png"/>
+          <p:cNvPr id="210" name="image135.png" descr="image135.png"/>
           <p:cNvPicPr>
             <a:picLocks noChangeAspect="1"/>
           </p:cNvPicPr>
@@ -27474,7 +27375,7 @@
       </p:grpSpPr>
       <p:sp>
         <p:nvSpPr>
-          <p:cNvPr id="147" name="Title 4"/>
+          <p:cNvPr id="212" name="Title 4"/>
           <p:cNvSpPr txBox="1"/>
           <p:nvPr/>
         </p:nvSpPr>
@@ -27514,7 +27415,7 @@
       </p:sp>
       <p:sp>
         <p:nvSpPr>
-          <p:cNvPr id="148" name="Slide Number Placeholder 3"/>
+          <p:cNvPr id="213" name="Slide Number Placeholder 3"/>
           <p:cNvSpPr txBox="1"/>
           <p:nvPr>
             <p:ph type="sldNum" sz="quarter" idx="2"/>
@@ -27545,7 +27446,7 @@
       </p:sp>
       <p:sp>
         <p:nvSpPr>
-          <p:cNvPr id="149" name="CustomShape 5"/>
+          <p:cNvPr id="214" name="CustomShape 5"/>
           <p:cNvSpPr txBox="1"/>
           <p:nvPr/>
         </p:nvSpPr>
@@ -27656,7 +27557,7 @@
       </p:sp>
       <p:sp>
         <p:nvSpPr>
-          <p:cNvPr id="150" name="Almost the same as Source_Maxwell_3: but with optional flux-files as input."/>
+          <p:cNvPr id="215" name="Almost the same as Source_Maxwell_3: but with optional flux-files as input."/>
           <p:cNvSpPr txBox="1"/>
           <p:nvPr/>
         </p:nvSpPr>
@@ -27722,7 +27623,7 @@
       </p:grpSpPr>
       <p:sp>
         <p:nvSpPr>
-          <p:cNvPr id="152" name="Slide Number Placeholder 3"/>
+          <p:cNvPr id="217" name="Slide Number Placeholder 3"/>
           <p:cNvSpPr txBox="1"/>
           <p:nvPr>
             <p:ph type="sldNum" sz="quarter" idx="2"/>
@@ -27753,7 +27654,7 @@
       </p:sp>
       <p:sp>
         <p:nvSpPr>
-          <p:cNvPr id="153" name="CustomShape 5"/>
+          <p:cNvPr id="218" name="CustomShape 5"/>
           <p:cNvSpPr txBox="1"/>
           <p:nvPr/>
         </p:nvSpPr>
@@ -27876,7 +27777,7 @@
       </p:sp>
       <p:sp>
         <p:nvSpPr>
-          <p:cNvPr id="154" name="CustomShape 5"/>
+          <p:cNvPr id="219" name="CustomShape 5"/>
           <p:cNvSpPr txBox="1"/>
           <p:nvPr/>
         </p:nvSpPr>
@@ -27999,7 +27900,7 @@
       </p:sp>
       <p:sp>
         <p:nvSpPr>
-          <p:cNvPr id="155" name="Reads/writes events directly from MCPL-format files:…"/>
+          <p:cNvPr id="220" name="Reads/writes events directly from MCPL-format files:…"/>
           <p:cNvSpPr txBox="1"/>
           <p:nvPr/>
         </p:nvSpPr>
@@ -28045,7 +27946,7 @@
       </p:sp>
       <p:sp>
         <p:nvSpPr>
-          <p:cNvPr id="156" name="Title 4"/>
+          <p:cNvPr id="221" name="Title 4"/>
           <p:cNvSpPr txBox="1"/>
           <p:nvPr/>
         </p:nvSpPr>
@@ -28148,30 +28049,72 @@
     <a:fmtScheme name="Blank">
       <a:fillStyleLst>
         <a:solidFill>
-          <a:srgbClr val="FFFFFF"/>
+          <a:schemeClr val="phClr"/>
         </a:solidFill>
-        <a:solidFill>
-          <a:srgbClr val="FFFFFF"/>
-        </a:solidFill>
-        <a:solidFill>
-          <a:srgbClr val="FFFFFF"/>
-        </a:solidFill>
+        <a:gradFill rotWithShape="1">
+          <a:gsLst>
+            <a:gs pos="0">
+              <a:schemeClr val="phClr">
+                <a:tint val="50000"/>
+                <a:satMod val="300000"/>
+              </a:schemeClr>
+            </a:gs>
+            <a:gs pos="35000">
+              <a:schemeClr val="phClr">
+                <a:tint val="37000"/>
+                <a:satMod val="300000"/>
+              </a:schemeClr>
+            </a:gs>
+            <a:gs pos="100000">
+              <a:schemeClr val="phClr">
+                <a:tint val="15000"/>
+                <a:satMod val="350000"/>
+              </a:schemeClr>
+            </a:gs>
+          </a:gsLst>
+          <a:lin ang="16200000" scaled="1"/>
+        </a:gradFill>
+        <a:gradFill rotWithShape="1">
+          <a:gsLst>
+            <a:gs pos="0">
+              <a:schemeClr val="phClr">
+                <a:tint val="100000"/>
+                <a:shade val="100000"/>
+                <a:satMod val="129999"/>
+              </a:schemeClr>
+            </a:gs>
+            <a:gs pos="100000">
+              <a:schemeClr val="phClr">
+                <a:tint val="50000"/>
+                <a:shade val="100000"/>
+                <a:satMod val="350000"/>
+              </a:schemeClr>
+            </a:gs>
+          </a:gsLst>
+          <a:lin ang="16200000" scaled="0"/>
+        </a:gradFill>
       </a:fillStyleLst>
       <a:lnStyleLst>
-        <a:ln>
+        <a:ln w="9525" cap="flat" cmpd="sng" algn="ctr">
           <a:solidFill>
-            <a:srgbClr val="000000"/>
+            <a:schemeClr val="phClr">
+              <a:shade val="95000"/>
+              <a:satMod val="104999"/>
+            </a:schemeClr>
           </a:solidFill>
+          <a:prstDash val="solid"/>
         </a:ln>
-        <a:ln>
+        <a:ln w="25400" cap="flat" cmpd="sng" algn="ctr">
           <a:solidFill>
-            <a:srgbClr val="000000"/>
+            <a:schemeClr val="phClr"/>
           </a:solidFill>
+          <a:prstDash val="solid"/>
         </a:ln>
-        <a:ln>
+        <a:ln w="38100" cap="flat" cmpd="sng" algn="ctr">
           <a:solidFill>
-            <a:srgbClr val="000000"/>
+            <a:schemeClr val="phClr"/>
           </a:solidFill>
+          <a:prstDash val="solid"/>
         </a:ln>
       </a:lnStyleLst>
       <a:effectStyleLst>
@@ -28193,14 +28136,53 @@
       </a:effectStyleLst>
       <a:bgFillStyleLst>
         <a:solidFill>
-          <a:srgbClr val="FFFFFF"/>
+          <a:schemeClr val="phClr"/>
         </a:solidFill>
-        <a:solidFill>
-          <a:srgbClr val="FFFFFF"/>
-        </a:solidFill>
-        <a:solidFill>
-          <a:srgbClr val="FFFFFF"/>
-        </a:solidFill>
+        <a:gradFill rotWithShape="1">
+          <a:gsLst>
+            <a:gs pos="0">
+              <a:schemeClr val="phClr">
+                <a:tint val="40000"/>
+                <a:satMod val="350000"/>
+              </a:schemeClr>
+            </a:gs>
+            <a:gs pos="40000">
+              <a:schemeClr val="phClr">
+                <a:tint val="45000"/>
+                <a:shade val="99000"/>
+                <a:satMod val="350000"/>
+              </a:schemeClr>
+            </a:gs>
+            <a:gs pos="100000">
+              <a:schemeClr val="phClr">
+                <a:shade val="20000"/>
+                <a:satMod val="255000"/>
+              </a:schemeClr>
+            </a:gs>
+          </a:gsLst>
+          <a:path path="circle">
+            <a:fillToRect l="50000" t="-80000" r="50000" b="180000"/>
+          </a:path>
+        </a:gradFill>
+        <a:gradFill rotWithShape="1">
+          <a:gsLst>
+            <a:gs pos="0">
+              <a:schemeClr val="phClr">
+                <a:tint val="80000"/>
+                <a:satMod val="300000"/>
+              </a:schemeClr>
+            </a:gs>
+            <a:gs pos="100000">
+              <a:schemeClr val="phClr">
+                <a:shade val="30000"/>
+                <a:satMod val="200000"/>
+              </a:schemeClr>
+            </a:gs>
+          </a:gsLst>
+          <a:path path="circle">
+            <a:fillToRect l="50000" t="50000" r="50000" b="50000"/>
+          </a:path>
+        </a:gradFill>
       </a:bgFillStyleLst>
     </a:fmtScheme>
   </a:themeElements>
@@ -29133,30 +29115,72 @@
     <a:fmtScheme name="Blank">
       <a:fillStyleLst>
         <a:solidFill>
-          <a:srgbClr val="FFFFFF"/>
+          <a:schemeClr val="phClr"/>
         </a:solidFill>
-        <a:solidFill>
-          <a:srgbClr val="FFFFFF"/>
-        </a:solidFill>
-        <a:solidFill>
-          <a:srgbClr val="FFFFFF"/>
-        </a:solidFill>
+        <a:gradFill rotWithShape="1">
+          <a:gsLst>
+            <a:gs pos="0">
+              <a:schemeClr val="phClr">
+                <a:tint val="50000"/>
+                <a:satMod val="300000"/>
+              </a:schemeClr>
+            </a:gs>
+            <a:gs pos="35000">
+              <a:schemeClr val="phClr">
+                <a:tint val="37000"/>
+                <a:satMod val="300000"/>
+              </a:schemeClr>
+            </a:gs>
+            <a:gs pos="100000">
+              <a:schemeClr val="phClr">
+                <a:tint val="15000"/>
+                <a:satMod val="350000"/>
+              </a:schemeClr>
+            </a:gs>
+          </a:gsLst>
+          <a:lin ang="16200000" scaled="1"/>
+        </a:gradFill>
+        <a:gradFill rotWithShape="1">
+          <a:gsLst>
+            <a:gs pos="0">
+              <a:schemeClr val="phClr">
+                <a:tint val="100000"/>
+                <a:shade val="100000"/>
+                <a:satMod val="129999"/>
+              </a:schemeClr>
+            </a:gs>
+            <a:gs pos="100000">
+              <a:schemeClr val="phClr">
+                <a:tint val="50000"/>
+                <a:shade val="100000"/>
+                <a:satMod val="350000"/>
+              </a:schemeClr>
+            </a:gs>
+          </a:gsLst>
+          <a:lin ang="16200000" scaled="0"/>
+        </a:gradFill>
       </a:fillStyleLst>
       <a:lnStyleLst>
-        <a:ln>
+        <a:ln w="9525" cap="flat" cmpd="sng" algn="ctr">
           <a:solidFill>
-            <a:srgbClr val="000000"/>
+            <a:schemeClr val="phClr">
+              <a:shade val="95000"/>
+              <a:satMod val="104999"/>
+            </a:schemeClr>
           </a:solidFill>
+          <a:prstDash val="solid"/>
         </a:ln>
-        <a:ln>
+        <a:ln w="25400" cap="flat" cmpd="sng" algn="ctr">
           <a:solidFill>
-            <a:srgbClr val="000000"/>
+            <a:schemeClr val="phClr"/>
           </a:solidFill>
+          <a:prstDash val="solid"/>
         </a:ln>
-        <a:ln>
+        <a:ln w="38100" cap="flat" cmpd="sng" algn="ctr">
           <a:solidFill>
-            <a:srgbClr val="000000"/>
+            <a:schemeClr val="phClr"/>
           </a:solidFill>
+          <a:prstDash val="solid"/>
         </a:ln>
       </a:lnStyleLst>
       <a:effectStyleLst>
@@ -29178,14 +29202,53 @@
       </a:effectStyleLst>
       <a:bgFillStyleLst>
         <a:solidFill>
-          <a:srgbClr val="FFFFFF"/>
+          <a:schemeClr val="phClr"/>
         </a:solidFill>
-        <a:solidFill>
-          <a:srgbClr val="FFFFFF"/>
-        </a:solidFill>
-        <a:solidFill>
-          <a:srgbClr val="FFFFFF"/>
-        </a:solidFill>
+        <a:gradFill rotWithShape="1">
+          <a:gsLst>
+            <a:gs pos="0">
+              <a:schemeClr val="phClr">
+                <a:tint val="40000"/>
+                <a:satMod val="350000"/>
+              </a:schemeClr>
+            </a:gs>
+            <a:gs pos="40000">
+              <a:schemeClr val="phClr">
+                <a:tint val="45000"/>
+                <a:shade val="99000"/>
+                <a:satMod val="350000"/>
+              </a:schemeClr>
+            </a:gs>
+            <a:gs pos="100000">
+              <a:schemeClr val="phClr">
+                <a:shade val="20000"/>
+                <a:satMod val="255000"/>
+              </a:schemeClr>
+            </a:gs>
+          </a:gsLst>
+          <a:path path="circle">
+            <a:fillToRect l="50000" t="-80000" r="50000" b="180000"/>
+          </a:path>
+        </a:gradFill>
+        <a:gradFill rotWithShape="1">
+          <a:gsLst>
+            <a:gs pos="0">
+              <a:schemeClr val="phClr">
+                <a:tint val="80000"/>
+                <a:satMod val="300000"/>
+              </a:schemeClr>
+            </a:gs>
+            <a:gs pos="100000">
+              <a:schemeClr val="phClr">
+                <a:shade val="30000"/>
+                <a:satMod val="200000"/>
+              </a:schemeClr>
+            </a:gs>
+          </a:gsLst>
+          <a:path path="circle">
+            <a:fillToRect l="50000" t="50000" r="50000" b="50000"/>
+          </a:path>
+        </a:gradFill>
       </a:bgFillStyleLst>
     </a:fmtScheme>
   </a:themeElements>
